--- a/図作成用パワーポイント/partialgrid.pptx
+++ b/図作成用パワーポイント/partialgrid.pptx
@@ -104,6 +104,11 @@
       </a:defRPr>
     </a:lvl9pPr>
   </p:defaultTextStyle>
+  <p:extLst>
+    <p:ext uri="{EFAFB233-063F-42B5-8137-9DF3F51BA10A}">
+      <p15:sldGuideLst xmlns:p15="http://schemas.microsoft.com/office/powerpoint/2012/main"/>
+    </p:ext>
+  </p:extLst>
 </p:presentation>
 </file>
 
@@ -238,7 +243,7 @@
           <a:p>
             <a:fld id="{1A30F0ED-565B-4B94-AD7B-B87CFE67BB32}" type="datetimeFigureOut">
               <a:rPr kumimoji="1" lang="ja-JP" altLang="en-US" smtClean="0"/>
-              <a:t>2019/2/1</a:t>
+              <a:t>2019/2/4</a:t>
             </a:fld>
             <a:endParaRPr kumimoji="1" lang="ja-JP" altLang="en-US"/>
           </a:p>
@@ -440,7 +445,7 @@
           <a:p>
             <a:fld id="{1A30F0ED-565B-4B94-AD7B-B87CFE67BB32}" type="datetimeFigureOut">
               <a:rPr kumimoji="1" lang="ja-JP" altLang="en-US" smtClean="0"/>
-              <a:t>2019/2/1</a:t>
+              <a:t>2019/2/4</a:t>
             </a:fld>
             <a:endParaRPr kumimoji="1" lang="ja-JP" altLang="en-US"/>
           </a:p>
@@ -652,7 +657,7 @@
           <a:p>
             <a:fld id="{1A30F0ED-565B-4B94-AD7B-B87CFE67BB32}" type="datetimeFigureOut">
               <a:rPr kumimoji="1" lang="ja-JP" altLang="en-US" smtClean="0"/>
-              <a:t>2019/2/1</a:t>
+              <a:t>2019/2/4</a:t>
             </a:fld>
             <a:endParaRPr kumimoji="1" lang="ja-JP" altLang="en-US"/>
           </a:p>
@@ -854,7 +859,7 @@
           <a:p>
             <a:fld id="{1A30F0ED-565B-4B94-AD7B-B87CFE67BB32}" type="datetimeFigureOut">
               <a:rPr kumimoji="1" lang="ja-JP" altLang="en-US" smtClean="0"/>
-              <a:t>2019/2/1</a:t>
+              <a:t>2019/2/4</a:t>
             </a:fld>
             <a:endParaRPr kumimoji="1" lang="ja-JP" altLang="en-US"/>
           </a:p>
@@ -1100,7 +1105,7 @@
           <a:p>
             <a:fld id="{1A30F0ED-565B-4B94-AD7B-B87CFE67BB32}" type="datetimeFigureOut">
               <a:rPr kumimoji="1" lang="ja-JP" altLang="en-US" smtClean="0"/>
-              <a:t>2019/2/1</a:t>
+              <a:t>2019/2/4</a:t>
             </a:fld>
             <a:endParaRPr kumimoji="1" lang="ja-JP" altLang="en-US"/>
           </a:p>
@@ -1396,7 +1401,7 @@
           <a:p>
             <a:fld id="{1A30F0ED-565B-4B94-AD7B-B87CFE67BB32}" type="datetimeFigureOut">
               <a:rPr kumimoji="1" lang="ja-JP" altLang="en-US" smtClean="0"/>
-              <a:t>2019/2/1</a:t>
+              <a:t>2019/2/4</a:t>
             </a:fld>
             <a:endParaRPr kumimoji="1" lang="ja-JP" altLang="en-US"/>
           </a:p>
@@ -1827,7 +1832,7 @@
           <a:p>
             <a:fld id="{1A30F0ED-565B-4B94-AD7B-B87CFE67BB32}" type="datetimeFigureOut">
               <a:rPr kumimoji="1" lang="ja-JP" altLang="en-US" smtClean="0"/>
-              <a:t>2019/2/1</a:t>
+              <a:t>2019/2/4</a:t>
             </a:fld>
             <a:endParaRPr kumimoji="1" lang="ja-JP" altLang="en-US"/>
           </a:p>
@@ -1945,7 +1950,7 @@
           <a:p>
             <a:fld id="{1A30F0ED-565B-4B94-AD7B-B87CFE67BB32}" type="datetimeFigureOut">
               <a:rPr kumimoji="1" lang="ja-JP" altLang="en-US" smtClean="0"/>
-              <a:t>2019/2/1</a:t>
+              <a:t>2019/2/4</a:t>
             </a:fld>
             <a:endParaRPr kumimoji="1" lang="ja-JP" altLang="en-US"/>
           </a:p>
@@ -2040,7 +2045,7 @@
           <a:p>
             <a:fld id="{1A30F0ED-565B-4B94-AD7B-B87CFE67BB32}" type="datetimeFigureOut">
               <a:rPr kumimoji="1" lang="ja-JP" altLang="en-US" smtClean="0"/>
-              <a:t>2019/2/1</a:t>
+              <a:t>2019/2/4</a:t>
             </a:fld>
             <a:endParaRPr kumimoji="1" lang="ja-JP" altLang="en-US"/>
           </a:p>
@@ -2349,7 +2354,7 @@
           <a:p>
             <a:fld id="{1A30F0ED-565B-4B94-AD7B-B87CFE67BB32}" type="datetimeFigureOut">
               <a:rPr kumimoji="1" lang="ja-JP" altLang="en-US" smtClean="0"/>
-              <a:t>2019/2/1</a:t>
+              <a:t>2019/2/4</a:t>
             </a:fld>
             <a:endParaRPr kumimoji="1" lang="ja-JP" altLang="en-US"/>
           </a:p>
@@ -2602,7 +2607,7 @@
           <a:p>
             <a:fld id="{1A30F0ED-565B-4B94-AD7B-B87CFE67BB32}" type="datetimeFigureOut">
               <a:rPr kumimoji="1" lang="ja-JP" altLang="en-US" smtClean="0"/>
-              <a:t>2019/2/1</a:t>
+              <a:t>2019/2/4</a:t>
             </a:fld>
             <a:endParaRPr kumimoji="1" lang="ja-JP" altLang="en-US"/>
           </a:p>
@@ -2847,7 +2852,7 @@
           <a:p>
             <a:fld id="{1A30F0ED-565B-4B94-AD7B-B87CFE67BB32}" type="datetimeFigureOut">
               <a:rPr kumimoji="1" lang="ja-JP" altLang="en-US" smtClean="0"/>
-              <a:t>2019/2/1</a:t>
+              <a:t>2019/2/4</a:t>
             </a:fld>
             <a:endParaRPr kumimoji="1" lang="ja-JP" altLang="en-US"/>
           </a:p>
@@ -3266,8 +3271,8 @@
             <a:chExt cx="9705740" cy="4277786"/>
           </a:xfrm>
         </p:grpSpPr>
-        <mc:AlternateContent xmlns:mc="http://schemas.openxmlformats.org/markup-compatibility/2006">
-          <mc:Choice xmlns:a14="http://schemas.microsoft.com/office/drawing/2010/main" Requires="a14">
+        <mc:AlternateContent xmlns:mc="http://schemas.openxmlformats.org/markup-compatibility/2006" xmlns:a14="http://schemas.microsoft.com/office/drawing/2010/main">
+          <mc:Choice Requires="a14">
             <p:sp>
               <p:nvSpPr>
                 <p:cNvPr id="272" name="テキスト ボックス 271"/>
@@ -3290,6 +3295,7 @@
                 </a:bodyPr>
                 <a:lstStyle/>
                 <a:p>
+                  <a:pPr/>
                   <a14:m>
                     <m:oMathPara xmlns:m="http://schemas.openxmlformats.org/officeDocument/2006/math">
                       <m:oMathParaPr>
@@ -3342,7 +3348,7 @@
               </p:txBody>
             </p:sp>
           </mc:Choice>
-          <mc:Fallback>
+          <mc:Fallback xmlns="">
             <p:sp>
               <p:nvSpPr>
                 <p:cNvPr id="272" name="テキスト ボックス 271"/>
@@ -15090,8 +15096,8 @@
               </a:p>
             </p:txBody>
           </p:sp>
-          <mc:AlternateContent xmlns:mc="http://schemas.openxmlformats.org/markup-compatibility/2006">
-            <mc:Choice xmlns:a14="http://schemas.microsoft.com/office/drawing/2010/main" Requires="a14">
+          <mc:AlternateContent xmlns:mc="http://schemas.openxmlformats.org/markup-compatibility/2006" xmlns:a14="http://schemas.microsoft.com/office/drawing/2010/main">
+            <mc:Choice Requires="a14">
               <p:sp>
                 <p:nvSpPr>
                   <p:cNvPr id="270" name="テキスト ボックス 269"/>
@@ -15147,7 +15153,7 @@
                 </p:txBody>
               </p:sp>
             </mc:Choice>
-            <mc:Fallback>
+            <mc:Fallback xmlns="">
               <p:sp>
                 <p:nvSpPr>
                   <p:cNvPr id="270" name="テキスト ボックス 269"/>
@@ -15191,7 +15197,7 @@
               <p:cNvPr id="275" name="左中かっこ 274">
                 <a:extLst>
                   <a:ext uri="{FF2B5EF4-FFF2-40B4-BE49-F238E27FC236}">
-                    <a16:creationId xmlns="" xmlns:a16="http://schemas.microsoft.com/office/drawing/2014/main" id="{D2B35B43-3535-4E27-BDFC-B8165A3301B0}"/>
+                    <a16:creationId xmlns:a16="http://schemas.microsoft.com/office/drawing/2014/main" xmlns="" id="{D2B35B43-3535-4E27-BDFC-B8165A3301B0}"/>
                   </a:ext>
                 </a:extLst>
               </p:cNvPr>
@@ -15243,14 +15249,14 @@
               </a:p>
             </p:txBody>
           </p:sp>
-          <mc:AlternateContent xmlns:mc="http://schemas.openxmlformats.org/markup-compatibility/2006">
-            <mc:Choice xmlns:a14="http://schemas.microsoft.com/office/drawing/2010/main" Requires="a14">
+          <mc:AlternateContent xmlns:mc="http://schemas.openxmlformats.org/markup-compatibility/2006" xmlns:a14="http://schemas.microsoft.com/office/drawing/2010/main">
+            <mc:Choice Requires="a14">
               <p:sp>
                 <p:nvSpPr>
                   <p:cNvPr id="276" name="テキスト ボックス 275">
                     <a:extLst>
                       <a:ext uri="{FF2B5EF4-FFF2-40B4-BE49-F238E27FC236}">
-                        <a16:creationId xmlns="" xmlns:a16="http://schemas.microsoft.com/office/drawing/2014/main" id="{E4C3C1CC-7DFB-4879-9982-E12AF92D5157}"/>
+                        <a16:creationId xmlns:a16="http://schemas.microsoft.com/office/drawing/2014/main" xmlns="" id="{E4C3C1CC-7DFB-4879-9982-E12AF92D5157}"/>
                       </a:ext>
                     </a:extLst>
                   </p:cNvPr>
@@ -15306,7 +15312,7 @@
                 </p:txBody>
               </p:sp>
             </mc:Choice>
-            <mc:Fallback>
+            <mc:Fallback xmlns="">
               <p:sp>
                 <p:nvSpPr>
                   <p:cNvPr id="276" name="テキスト ボックス 275">
@@ -15356,7 +15362,7 @@
               <p:cNvPr id="280" name="左中かっこ 279">
                 <a:extLst>
                   <a:ext uri="{FF2B5EF4-FFF2-40B4-BE49-F238E27FC236}">
-                    <a16:creationId xmlns="" xmlns:a16="http://schemas.microsoft.com/office/drawing/2014/main" id="{7484E61E-C510-4FF0-978A-471330A22C3C}"/>
+                    <a16:creationId xmlns:a16="http://schemas.microsoft.com/office/drawing/2014/main" xmlns="" id="{7484E61E-C510-4FF0-978A-471330A22C3C}"/>
                   </a:ext>
                 </a:extLst>
               </p:cNvPr>
@@ -15408,14 +15414,14 @@
               </a:p>
             </p:txBody>
           </p:sp>
-          <mc:AlternateContent xmlns:mc="http://schemas.openxmlformats.org/markup-compatibility/2006">
-            <mc:Choice xmlns:a14="http://schemas.microsoft.com/office/drawing/2010/main" Requires="a14">
+          <mc:AlternateContent xmlns:mc="http://schemas.openxmlformats.org/markup-compatibility/2006" xmlns:a14="http://schemas.microsoft.com/office/drawing/2010/main">
+            <mc:Choice Requires="a14">
               <p:sp>
                 <p:nvSpPr>
                   <p:cNvPr id="281" name="テキスト ボックス 280">
                     <a:extLst>
                       <a:ext uri="{FF2B5EF4-FFF2-40B4-BE49-F238E27FC236}">
-                        <a16:creationId xmlns="" xmlns:a16="http://schemas.microsoft.com/office/drawing/2014/main" id="{6DAFFFD6-997E-4295-8337-371E646493AD}"/>
+                        <a16:creationId xmlns:a16="http://schemas.microsoft.com/office/drawing/2014/main" xmlns="" id="{6DAFFFD6-997E-4295-8337-371E646493AD}"/>
                       </a:ext>
                     </a:extLst>
                   </p:cNvPr>
@@ -15459,7 +15465,7 @@
                 </p:txBody>
               </p:sp>
             </mc:Choice>
-            <mc:Fallback>
+            <mc:Fallback xmlns="">
               <p:sp>
                 <p:nvSpPr>
                   <p:cNvPr id="281" name="テキスト ボックス 280">
@@ -15504,14 +15510,14 @@
               </p:sp>
             </mc:Fallback>
           </mc:AlternateContent>
-          <mc:AlternateContent xmlns:mc="http://schemas.openxmlformats.org/markup-compatibility/2006">
-            <mc:Choice xmlns:a14="http://schemas.microsoft.com/office/drawing/2010/main" Requires="a14">
+          <mc:AlternateContent xmlns:mc="http://schemas.openxmlformats.org/markup-compatibility/2006" xmlns:a14="http://schemas.microsoft.com/office/drawing/2010/main">
+            <mc:Choice Requires="a14">
               <p:sp>
                 <p:nvSpPr>
                   <p:cNvPr id="282" name="テキスト ボックス 281">
                     <a:extLst>
                       <a:ext uri="{FF2B5EF4-FFF2-40B4-BE49-F238E27FC236}">
-                        <a16:creationId xmlns="" xmlns:a16="http://schemas.microsoft.com/office/drawing/2014/main" id="{07010F26-716B-423D-9E77-19B5E202747E}"/>
+                        <a16:creationId xmlns:a16="http://schemas.microsoft.com/office/drawing/2014/main" xmlns="" id="{07010F26-716B-423D-9E77-19B5E202747E}"/>
                       </a:ext>
                     </a:extLst>
                   </p:cNvPr>
@@ -15585,7 +15591,7 @@
                 </p:txBody>
               </p:sp>
             </mc:Choice>
-            <mc:Fallback>
+            <mc:Fallback xmlns="">
               <p:sp>
                 <p:nvSpPr>
                   <p:cNvPr id="282" name="テキスト ボックス 281">
@@ -15630,14 +15636,14 @@
               </p:sp>
             </mc:Fallback>
           </mc:AlternateContent>
-          <mc:AlternateContent xmlns:mc="http://schemas.openxmlformats.org/markup-compatibility/2006">
-            <mc:Choice xmlns:a14="http://schemas.microsoft.com/office/drawing/2010/main" Requires="a14">
+          <mc:AlternateContent xmlns:mc="http://schemas.openxmlformats.org/markup-compatibility/2006" xmlns:a14="http://schemas.microsoft.com/office/drawing/2010/main">
+            <mc:Choice Requires="a14">
               <p:sp>
                 <p:nvSpPr>
                   <p:cNvPr id="283" name="テキスト ボックス 282">
                     <a:extLst>
                       <a:ext uri="{FF2B5EF4-FFF2-40B4-BE49-F238E27FC236}">
-                        <a16:creationId xmlns="" xmlns:a16="http://schemas.microsoft.com/office/drawing/2014/main" id="{65944549-9B1C-4094-8DD6-656F7C2BBAD6}"/>
+                        <a16:creationId xmlns:a16="http://schemas.microsoft.com/office/drawing/2014/main" xmlns="" id="{65944549-9B1C-4094-8DD6-656F7C2BBAD6}"/>
                       </a:ext>
                     </a:extLst>
                   </p:cNvPr>
@@ -15687,7 +15693,7 @@
                 </p:txBody>
               </p:sp>
             </mc:Choice>
-            <mc:Fallback>
+            <mc:Fallback xmlns="">
               <p:sp>
                 <p:nvSpPr>
                   <p:cNvPr id="283" name="テキスト ボックス 282">
@@ -15737,7 +15743,7 @@
               <p:cNvPr id="284" name="直線コネクタ 283">
                 <a:extLst>
                   <a:ext uri="{FF2B5EF4-FFF2-40B4-BE49-F238E27FC236}">
-                    <a16:creationId xmlns="" xmlns:a16="http://schemas.microsoft.com/office/drawing/2014/main" id="{91706D61-C536-4407-A64A-77777F5E72EA}"/>
+                    <a16:creationId xmlns:a16="http://schemas.microsoft.com/office/drawing/2014/main" xmlns="" id="{91706D61-C536-4407-A64A-77777F5E72EA}"/>
                   </a:ext>
                 </a:extLst>
               </p:cNvPr>
@@ -15783,7 +15789,7 @@
               <p:cNvPr id="285" name="直線コネクタ 284">
                 <a:extLst>
                   <a:ext uri="{FF2B5EF4-FFF2-40B4-BE49-F238E27FC236}">
-                    <a16:creationId xmlns="" xmlns:a16="http://schemas.microsoft.com/office/drawing/2014/main" id="{91706D61-C536-4407-A64A-77777F5E72EA}"/>
+                    <a16:creationId xmlns:a16="http://schemas.microsoft.com/office/drawing/2014/main" xmlns="" id="{91706D61-C536-4407-A64A-77777F5E72EA}"/>
                   </a:ext>
                 </a:extLst>
               </p:cNvPr>
@@ -15829,7 +15835,7 @@
               <p:cNvPr id="286" name="直線コネクタ 285">
                 <a:extLst>
                   <a:ext uri="{FF2B5EF4-FFF2-40B4-BE49-F238E27FC236}">
-                    <a16:creationId xmlns="" xmlns:a16="http://schemas.microsoft.com/office/drawing/2014/main" id="{91706D61-C536-4407-A64A-77777F5E72EA}"/>
+                    <a16:creationId xmlns:a16="http://schemas.microsoft.com/office/drawing/2014/main" xmlns="" id="{91706D61-C536-4407-A64A-77777F5E72EA}"/>
                   </a:ext>
                 </a:extLst>
               </p:cNvPr>
@@ -15875,7 +15881,7 @@
               <p:cNvPr id="287" name="直線コネクタ 286">
                 <a:extLst>
                   <a:ext uri="{FF2B5EF4-FFF2-40B4-BE49-F238E27FC236}">
-                    <a16:creationId xmlns="" xmlns:a16="http://schemas.microsoft.com/office/drawing/2014/main" id="{91706D61-C536-4407-A64A-77777F5E72EA}"/>
+                    <a16:creationId xmlns:a16="http://schemas.microsoft.com/office/drawing/2014/main" xmlns="" id="{91706D61-C536-4407-A64A-77777F5E72EA}"/>
                   </a:ext>
                 </a:extLst>
               </p:cNvPr>
@@ -15921,7 +15927,7 @@
               <p:cNvPr id="288" name="直線コネクタ 287">
                 <a:extLst>
                   <a:ext uri="{FF2B5EF4-FFF2-40B4-BE49-F238E27FC236}">
-                    <a16:creationId xmlns="" xmlns:a16="http://schemas.microsoft.com/office/drawing/2014/main" id="{91706D61-C536-4407-A64A-77777F5E72EA}"/>
+                    <a16:creationId xmlns:a16="http://schemas.microsoft.com/office/drawing/2014/main" xmlns="" id="{91706D61-C536-4407-A64A-77777F5E72EA}"/>
                   </a:ext>
                 </a:extLst>
               </p:cNvPr>
@@ -15967,7 +15973,7 @@
               <p:cNvPr id="289" name="直線コネクタ 288">
                 <a:extLst>
                   <a:ext uri="{FF2B5EF4-FFF2-40B4-BE49-F238E27FC236}">
-                    <a16:creationId xmlns="" xmlns:a16="http://schemas.microsoft.com/office/drawing/2014/main" id="{91706D61-C536-4407-A64A-77777F5E72EA}"/>
+                    <a16:creationId xmlns:a16="http://schemas.microsoft.com/office/drawing/2014/main" xmlns="" id="{91706D61-C536-4407-A64A-77777F5E72EA}"/>
                   </a:ext>
                 </a:extLst>
               </p:cNvPr>
@@ -16013,7 +16019,7 @@
               <p:cNvPr id="290" name="直線コネクタ 289">
                 <a:extLst>
                   <a:ext uri="{FF2B5EF4-FFF2-40B4-BE49-F238E27FC236}">
-                    <a16:creationId xmlns="" xmlns:a16="http://schemas.microsoft.com/office/drawing/2014/main" id="{91706D61-C536-4407-A64A-77777F5E72EA}"/>
+                    <a16:creationId xmlns:a16="http://schemas.microsoft.com/office/drawing/2014/main" xmlns="" id="{91706D61-C536-4407-A64A-77777F5E72EA}"/>
                   </a:ext>
                 </a:extLst>
               </p:cNvPr>
@@ -16059,7 +16065,7 @@
               <p:cNvPr id="291" name="直線コネクタ 290">
                 <a:extLst>
                   <a:ext uri="{FF2B5EF4-FFF2-40B4-BE49-F238E27FC236}">
-                    <a16:creationId xmlns="" xmlns:a16="http://schemas.microsoft.com/office/drawing/2014/main" id="{91706D61-C536-4407-A64A-77777F5E72EA}"/>
+                    <a16:creationId xmlns:a16="http://schemas.microsoft.com/office/drawing/2014/main" xmlns="" id="{91706D61-C536-4407-A64A-77777F5E72EA}"/>
                   </a:ext>
                 </a:extLst>
               </p:cNvPr>
@@ -16105,7 +16111,7 @@
               <p:cNvPr id="292" name="直線コネクタ 291">
                 <a:extLst>
                   <a:ext uri="{FF2B5EF4-FFF2-40B4-BE49-F238E27FC236}">
-                    <a16:creationId xmlns="" xmlns:a16="http://schemas.microsoft.com/office/drawing/2014/main" id="{91706D61-C536-4407-A64A-77777F5E72EA}"/>
+                    <a16:creationId xmlns:a16="http://schemas.microsoft.com/office/drawing/2014/main" xmlns="" id="{91706D61-C536-4407-A64A-77777F5E72EA}"/>
                   </a:ext>
                 </a:extLst>
               </p:cNvPr>
@@ -16151,7 +16157,7 @@
               <p:cNvPr id="293" name="直線コネクタ 292">
                 <a:extLst>
                   <a:ext uri="{FF2B5EF4-FFF2-40B4-BE49-F238E27FC236}">
-                    <a16:creationId xmlns="" xmlns:a16="http://schemas.microsoft.com/office/drawing/2014/main" id="{91706D61-C536-4407-A64A-77777F5E72EA}"/>
+                    <a16:creationId xmlns:a16="http://schemas.microsoft.com/office/drawing/2014/main" xmlns="" id="{91706D61-C536-4407-A64A-77777F5E72EA}"/>
                   </a:ext>
                 </a:extLst>
               </p:cNvPr>
@@ -16197,7 +16203,7 @@
               <p:cNvPr id="294" name="直線コネクタ 293">
                 <a:extLst>
                   <a:ext uri="{FF2B5EF4-FFF2-40B4-BE49-F238E27FC236}">
-                    <a16:creationId xmlns="" xmlns:a16="http://schemas.microsoft.com/office/drawing/2014/main" id="{91706D61-C536-4407-A64A-77777F5E72EA}"/>
+                    <a16:creationId xmlns:a16="http://schemas.microsoft.com/office/drawing/2014/main" xmlns="" id="{91706D61-C536-4407-A64A-77777F5E72EA}"/>
                   </a:ext>
                 </a:extLst>
               </p:cNvPr>
@@ -16243,7 +16249,7 @@
               <p:cNvPr id="295" name="直線コネクタ 294">
                 <a:extLst>
                   <a:ext uri="{FF2B5EF4-FFF2-40B4-BE49-F238E27FC236}">
-                    <a16:creationId xmlns="" xmlns:a16="http://schemas.microsoft.com/office/drawing/2014/main" id="{91706D61-C536-4407-A64A-77777F5E72EA}"/>
+                    <a16:creationId xmlns:a16="http://schemas.microsoft.com/office/drawing/2014/main" xmlns="" id="{91706D61-C536-4407-A64A-77777F5E72EA}"/>
                   </a:ext>
                 </a:extLst>
               </p:cNvPr>
@@ -16284,14 +16290,14 @@
               </a:fontRef>
             </p:style>
           </p:cxnSp>
-          <mc:AlternateContent xmlns:mc="http://schemas.openxmlformats.org/markup-compatibility/2006">
-            <mc:Choice xmlns:a14="http://schemas.microsoft.com/office/drawing/2010/main" Requires="a14">
+          <mc:AlternateContent xmlns:mc="http://schemas.openxmlformats.org/markup-compatibility/2006" xmlns:a14="http://schemas.microsoft.com/office/drawing/2010/main">
+            <mc:Choice Requires="a14">
               <p:sp>
                 <p:nvSpPr>
                   <p:cNvPr id="296" name="テキスト ボックス 295">
                     <a:extLst>
                       <a:ext uri="{FF2B5EF4-FFF2-40B4-BE49-F238E27FC236}">
-                        <a16:creationId xmlns="" xmlns:a16="http://schemas.microsoft.com/office/drawing/2014/main" id="{298A6F79-47C5-44F3-AA0A-54172F8B0BB3}"/>
+                        <a16:creationId xmlns:a16="http://schemas.microsoft.com/office/drawing/2014/main" xmlns="" id="{298A6F79-47C5-44F3-AA0A-54172F8B0BB3}"/>
                       </a:ext>
                     </a:extLst>
                   </p:cNvPr>
@@ -16341,7 +16347,7 @@
                 </p:txBody>
               </p:sp>
             </mc:Choice>
-            <mc:Fallback>
+            <mc:Fallback xmlns="">
               <p:sp>
                 <p:nvSpPr>
                   <p:cNvPr id="296" name="テキスト ボックス 295">
@@ -16386,8 +16392,8 @@
               </p:sp>
             </mc:Fallback>
           </mc:AlternateContent>
-          <mc:AlternateContent xmlns:mc="http://schemas.openxmlformats.org/markup-compatibility/2006">
-            <mc:Choice xmlns:a14="http://schemas.microsoft.com/office/drawing/2010/main" Requires="a14">
+          <mc:AlternateContent xmlns:mc="http://schemas.openxmlformats.org/markup-compatibility/2006" xmlns:a14="http://schemas.microsoft.com/office/drawing/2010/main">
+            <mc:Choice Requires="a14">
               <p:sp>
                 <p:nvSpPr>
                   <p:cNvPr id="299" name="テキスト ボックス 298"/>
@@ -16410,6 +16416,7 @@
                   </a:bodyPr>
                   <a:lstStyle/>
                   <a:p>
+                    <a:pPr/>
                     <a14:m>
                       <m:oMathPara xmlns:m="http://schemas.openxmlformats.org/officeDocument/2006/math">
                         <m:oMathParaPr>
@@ -16462,7 +16469,7 @@
                 </p:txBody>
               </p:sp>
             </mc:Choice>
-            <mc:Fallback>
+            <mc:Fallback xmlns="">
               <p:sp>
                 <p:nvSpPr>
                   <p:cNvPr id="299" name="テキスト ボックス 298"/>
@@ -16983,6 +16990,84 @@
           </p:style>
         </p:cxnSp>
       </p:grpSp>
+      <p:sp>
+        <p:nvSpPr>
+          <p:cNvPr id="2" name="円/楕円 1"/>
+          <p:cNvSpPr/>
+          <p:nvPr/>
+        </p:nvSpPr>
+        <p:spPr>
+          <a:xfrm>
+            <a:off x="1342644" y="792480"/>
+            <a:ext cx="510741" cy="682752"/>
+          </a:xfrm>
+          <a:prstGeom prst="ellipse">
+            <a:avLst/>
+          </a:prstGeom>
+          <a:noFill/>
+        </p:spPr>
+        <p:style>
+          <a:lnRef idx="2">
+            <a:schemeClr val="dk1"/>
+          </a:lnRef>
+          <a:fillRef idx="1">
+            <a:schemeClr val="lt1"/>
+          </a:fillRef>
+          <a:effectRef idx="0">
+            <a:schemeClr val="dk1"/>
+          </a:effectRef>
+          <a:fontRef idx="minor">
+            <a:schemeClr val="dk1"/>
+          </a:fontRef>
+        </p:style>
+        <p:txBody>
+          <a:bodyPr rtlCol="0" anchor="ctr"/>
+          <a:lstStyle/>
+          <a:p>
+            <a:pPr algn="ctr"/>
+            <a:endParaRPr kumimoji="1" lang="ja-JP" altLang="en-US"/>
+          </a:p>
+        </p:txBody>
+      </p:sp>
+      <p:sp>
+        <p:nvSpPr>
+          <p:cNvPr id="305" name="円/楕円 304"/>
+          <p:cNvSpPr/>
+          <p:nvPr/>
+        </p:nvSpPr>
+        <p:spPr>
+          <a:xfrm>
+            <a:off x="10553990" y="4856763"/>
+            <a:ext cx="510741" cy="682752"/>
+          </a:xfrm>
+          <a:prstGeom prst="ellipse">
+            <a:avLst/>
+          </a:prstGeom>
+          <a:noFill/>
+        </p:spPr>
+        <p:style>
+          <a:lnRef idx="2">
+            <a:schemeClr val="dk1"/>
+          </a:lnRef>
+          <a:fillRef idx="1">
+            <a:schemeClr val="lt1"/>
+          </a:fillRef>
+          <a:effectRef idx="0">
+            <a:schemeClr val="dk1"/>
+          </a:effectRef>
+          <a:fontRef idx="minor">
+            <a:schemeClr val="dk1"/>
+          </a:fontRef>
+        </p:style>
+        <p:txBody>
+          <a:bodyPr rtlCol="0" anchor="ctr"/>
+          <a:lstStyle/>
+          <a:p>
+            <a:pPr algn="ctr"/>
+            <a:endParaRPr kumimoji="1" lang="ja-JP" altLang="en-US"/>
+          </a:p>
+        </p:txBody>
+      </p:sp>
     </p:spTree>
     <p:extLst>
       <p:ext uri="{BB962C8B-B14F-4D97-AF65-F5344CB8AC3E}">

--- a/図作成用パワーポイント/partialgrid.pptx
+++ b/図作成用パワーポイント/partialgrid.pptx
@@ -243,7 +243,7 @@
           <a:p>
             <a:fld id="{1A30F0ED-565B-4B94-AD7B-B87CFE67BB32}" type="datetimeFigureOut">
               <a:rPr kumimoji="1" lang="ja-JP" altLang="en-US" smtClean="0"/>
-              <a:t>2019/2/4</a:t>
+              <a:t>2019/2/6</a:t>
             </a:fld>
             <a:endParaRPr kumimoji="1" lang="ja-JP" altLang="en-US"/>
           </a:p>
@@ -445,7 +445,7 @@
           <a:p>
             <a:fld id="{1A30F0ED-565B-4B94-AD7B-B87CFE67BB32}" type="datetimeFigureOut">
               <a:rPr kumimoji="1" lang="ja-JP" altLang="en-US" smtClean="0"/>
-              <a:t>2019/2/4</a:t>
+              <a:t>2019/2/6</a:t>
             </a:fld>
             <a:endParaRPr kumimoji="1" lang="ja-JP" altLang="en-US"/>
           </a:p>
@@ -657,7 +657,7 @@
           <a:p>
             <a:fld id="{1A30F0ED-565B-4B94-AD7B-B87CFE67BB32}" type="datetimeFigureOut">
               <a:rPr kumimoji="1" lang="ja-JP" altLang="en-US" smtClean="0"/>
-              <a:t>2019/2/4</a:t>
+              <a:t>2019/2/6</a:t>
             </a:fld>
             <a:endParaRPr kumimoji="1" lang="ja-JP" altLang="en-US"/>
           </a:p>
@@ -859,7 +859,7 @@
           <a:p>
             <a:fld id="{1A30F0ED-565B-4B94-AD7B-B87CFE67BB32}" type="datetimeFigureOut">
               <a:rPr kumimoji="1" lang="ja-JP" altLang="en-US" smtClean="0"/>
-              <a:t>2019/2/4</a:t>
+              <a:t>2019/2/6</a:t>
             </a:fld>
             <a:endParaRPr kumimoji="1" lang="ja-JP" altLang="en-US"/>
           </a:p>
@@ -1105,7 +1105,7 @@
           <a:p>
             <a:fld id="{1A30F0ED-565B-4B94-AD7B-B87CFE67BB32}" type="datetimeFigureOut">
               <a:rPr kumimoji="1" lang="ja-JP" altLang="en-US" smtClean="0"/>
-              <a:t>2019/2/4</a:t>
+              <a:t>2019/2/6</a:t>
             </a:fld>
             <a:endParaRPr kumimoji="1" lang="ja-JP" altLang="en-US"/>
           </a:p>
@@ -1401,7 +1401,7 @@
           <a:p>
             <a:fld id="{1A30F0ED-565B-4B94-AD7B-B87CFE67BB32}" type="datetimeFigureOut">
               <a:rPr kumimoji="1" lang="ja-JP" altLang="en-US" smtClean="0"/>
-              <a:t>2019/2/4</a:t>
+              <a:t>2019/2/6</a:t>
             </a:fld>
             <a:endParaRPr kumimoji="1" lang="ja-JP" altLang="en-US"/>
           </a:p>
@@ -1832,7 +1832,7 @@
           <a:p>
             <a:fld id="{1A30F0ED-565B-4B94-AD7B-B87CFE67BB32}" type="datetimeFigureOut">
               <a:rPr kumimoji="1" lang="ja-JP" altLang="en-US" smtClean="0"/>
-              <a:t>2019/2/4</a:t>
+              <a:t>2019/2/6</a:t>
             </a:fld>
             <a:endParaRPr kumimoji="1" lang="ja-JP" altLang="en-US"/>
           </a:p>
@@ -1950,7 +1950,7 @@
           <a:p>
             <a:fld id="{1A30F0ED-565B-4B94-AD7B-B87CFE67BB32}" type="datetimeFigureOut">
               <a:rPr kumimoji="1" lang="ja-JP" altLang="en-US" smtClean="0"/>
-              <a:t>2019/2/4</a:t>
+              <a:t>2019/2/6</a:t>
             </a:fld>
             <a:endParaRPr kumimoji="1" lang="ja-JP" altLang="en-US"/>
           </a:p>
@@ -2045,7 +2045,7 @@
           <a:p>
             <a:fld id="{1A30F0ED-565B-4B94-AD7B-B87CFE67BB32}" type="datetimeFigureOut">
               <a:rPr kumimoji="1" lang="ja-JP" altLang="en-US" smtClean="0"/>
-              <a:t>2019/2/4</a:t>
+              <a:t>2019/2/6</a:t>
             </a:fld>
             <a:endParaRPr kumimoji="1" lang="ja-JP" altLang="en-US"/>
           </a:p>
@@ -2354,7 +2354,7 @@
           <a:p>
             <a:fld id="{1A30F0ED-565B-4B94-AD7B-B87CFE67BB32}" type="datetimeFigureOut">
               <a:rPr kumimoji="1" lang="ja-JP" altLang="en-US" smtClean="0"/>
-              <a:t>2019/2/4</a:t>
+              <a:t>2019/2/6</a:t>
             </a:fld>
             <a:endParaRPr kumimoji="1" lang="ja-JP" altLang="en-US"/>
           </a:p>
@@ -2607,7 +2607,7 @@
           <a:p>
             <a:fld id="{1A30F0ED-565B-4B94-AD7B-B87CFE67BB32}" type="datetimeFigureOut">
               <a:rPr kumimoji="1" lang="ja-JP" altLang="en-US" smtClean="0"/>
-              <a:t>2019/2/4</a:t>
+              <a:t>2019/2/6</a:t>
             </a:fld>
             <a:endParaRPr kumimoji="1" lang="ja-JP" altLang="en-US"/>
           </a:p>
@@ -2852,7 +2852,7 @@
           <a:p>
             <a:fld id="{1A30F0ED-565B-4B94-AD7B-B87CFE67BB32}" type="datetimeFigureOut">
               <a:rPr kumimoji="1" lang="ja-JP" altLang="en-US" smtClean="0"/>
-              <a:t>2019/2/4</a:t>
+              <a:t>2019/2/6</a:t>
             </a:fld>
             <a:endParaRPr kumimoji="1" lang="ja-JP" altLang="en-US"/>
           </a:p>
@@ -15197,7 +15197,7 @@
               <p:cNvPr id="275" name="左中かっこ 274">
                 <a:extLst>
                   <a:ext uri="{FF2B5EF4-FFF2-40B4-BE49-F238E27FC236}">
-                    <a16:creationId xmlns:a16="http://schemas.microsoft.com/office/drawing/2014/main" xmlns="" id="{D2B35B43-3535-4E27-BDFC-B8165A3301B0}"/>
+                    <a16:creationId xmlns="" xmlns:a16="http://schemas.microsoft.com/office/drawing/2014/main" id="{D2B35B43-3535-4E27-BDFC-B8165A3301B0}"/>
                   </a:ext>
                 </a:extLst>
               </p:cNvPr>
@@ -15256,7 +15256,7 @@
                   <p:cNvPr id="276" name="テキスト ボックス 275">
                     <a:extLst>
                       <a:ext uri="{FF2B5EF4-FFF2-40B4-BE49-F238E27FC236}">
-                        <a16:creationId xmlns:a16="http://schemas.microsoft.com/office/drawing/2014/main" xmlns="" id="{E4C3C1CC-7DFB-4879-9982-E12AF92D5157}"/>
+                        <a16:creationId xmlns="" xmlns:a16="http://schemas.microsoft.com/office/drawing/2014/main" id="{E4C3C1CC-7DFB-4879-9982-E12AF92D5157}"/>
                       </a:ext>
                     </a:extLst>
                   </p:cNvPr>
@@ -15362,7 +15362,7 @@
               <p:cNvPr id="280" name="左中かっこ 279">
                 <a:extLst>
                   <a:ext uri="{FF2B5EF4-FFF2-40B4-BE49-F238E27FC236}">
-                    <a16:creationId xmlns:a16="http://schemas.microsoft.com/office/drawing/2014/main" xmlns="" id="{7484E61E-C510-4FF0-978A-471330A22C3C}"/>
+                    <a16:creationId xmlns="" xmlns:a16="http://schemas.microsoft.com/office/drawing/2014/main" id="{7484E61E-C510-4FF0-978A-471330A22C3C}"/>
                   </a:ext>
                 </a:extLst>
               </p:cNvPr>
@@ -15421,7 +15421,7 @@
                   <p:cNvPr id="281" name="テキスト ボックス 280">
                     <a:extLst>
                       <a:ext uri="{FF2B5EF4-FFF2-40B4-BE49-F238E27FC236}">
-                        <a16:creationId xmlns:a16="http://schemas.microsoft.com/office/drawing/2014/main" xmlns="" id="{6DAFFFD6-997E-4295-8337-371E646493AD}"/>
+                        <a16:creationId xmlns="" xmlns:a16="http://schemas.microsoft.com/office/drawing/2014/main" id="{6DAFFFD6-997E-4295-8337-371E646493AD}"/>
                       </a:ext>
                     </a:extLst>
                   </p:cNvPr>
@@ -15517,7 +15517,7 @@
                   <p:cNvPr id="282" name="テキスト ボックス 281">
                     <a:extLst>
                       <a:ext uri="{FF2B5EF4-FFF2-40B4-BE49-F238E27FC236}">
-                        <a16:creationId xmlns:a16="http://schemas.microsoft.com/office/drawing/2014/main" xmlns="" id="{07010F26-716B-423D-9E77-19B5E202747E}"/>
+                        <a16:creationId xmlns="" xmlns:a16="http://schemas.microsoft.com/office/drawing/2014/main" id="{07010F26-716B-423D-9E77-19B5E202747E}"/>
                       </a:ext>
                     </a:extLst>
                   </p:cNvPr>
@@ -15643,7 +15643,7 @@
                   <p:cNvPr id="283" name="テキスト ボックス 282">
                     <a:extLst>
                       <a:ext uri="{FF2B5EF4-FFF2-40B4-BE49-F238E27FC236}">
-                        <a16:creationId xmlns:a16="http://schemas.microsoft.com/office/drawing/2014/main" xmlns="" id="{65944549-9B1C-4094-8DD6-656F7C2BBAD6}"/>
+                        <a16:creationId xmlns="" xmlns:a16="http://schemas.microsoft.com/office/drawing/2014/main" id="{65944549-9B1C-4094-8DD6-656F7C2BBAD6}"/>
                       </a:ext>
                     </a:extLst>
                   </p:cNvPr>
@@ -15743,7 +15743,7 @@
               <p:cNvPr id="284" name="直線コネクタ 283">
                 <a:extLst>
                   <a:ext uri="{FF2B5EF4-FFF2-40B4-BE49-F238E27FC236}">
-                    <a16:creationId xmlns:a16="http://schemas.microsoft.com/office/drawing/2014/main" xmlns="" id="{91706D61-C536-4407-A64A-77777F5E72EA}"/>
+                    <a16:creationId xmlns="" xmlns:a16="http://schemas.microsoft.com/office/drawing/2014/main" id="{91706D61-C536-4407-A64A-77777F5E72EA}"/>
                   </a:ext>
                 </a:extLst>
               </p:cNvPr>
@@ -15789,7 +15789,7 @@
               <p:cNvPr id="285" name="直線コネクタ 284">
                 <a:extLst>
                   <a:ext uri="{FF2B5EF4-FFF2-40B4-BE49-F238E27FC236}">
-                    <a16:creationId xmlns:a16="http://schemas.microsoft.com/office/drawing/2014/main" xmlns="" id="{91706D61-C536-4407-A64A-77777F5E72EA}"/>
+                    <a16:creationId xmlns="" xmlns:a16="http://schemas.microsoft.com/office/drawing/2014/main" id="{91706D61-C536-4407-A64A-77777F5E72EA}"/>
                   </a:ext>
                 </a:extLst>
               </p:cNvPr>
@@ -15835,7 +15835,7 @@
               <p:cNvPr id="286" name="直線コネクタ 285">
                 <a:extLst>
                   <a:ext uri="{FF2B5EF4-FFF2-40B4-BE49-F238E27FC236}">
-                    <a16:creationId xmlns:a16="http://schemas.microsoft.com/office/drawing/2014/main" xmlns="" id="{91706D61-C536-4407-A64A-77777F5E72EA}"/>
+                    <a16:creationId xmlns="" xmlns:a16="http://schemas.microsoft.com/office/drawing/2014/main" id="{91706D61-C536-4407-A64A-77777F5E72EA}"/>
                   </a:ext>
                 </a:extLst>
               </p:cNvPr>
@@ -15881,7 +15881,7 @@
               <p:cNvPr id="287" name="直線コネクタ 286">
                 <a:extLst>
                   <a:ext uri="{FF2B5EF4-FFF2-40B4-BE49-F238E27FC236}">
-                    <a16:creationId xmlns:a16="http://schemas.microsoft.com/office/drawing/2014/main" xmlns="" id="{91706D61-C536-4407-A64A-77777F5E72EA}"/>
+                    <a16:creationId xmlns="" xmlns:a16="http://schemas.microsoft.com/office/drawing/2014/main" id="{91706D61-C536-4407-A64A-77777F5E72EA}"/>
                   </a:ext>
                 </a:extLst>
               </p:cNvPr>
@@ -15927,7 +15927,7 @@
               <p:cNvPr id="288" name="直線コネクタ 287">
                 <a:extLst>
                   <a:ext uri="{FF2B5EF4-FFF2-40B4-BE49-F238E27FC236}">
-                    <a16:creationId xmlns:a16="http://schemas.microsoft.com/office/drawing/2014/main" xmlns="" id="{91706D61-C536-4407-A64A-77777F5E72EA}"/>
+                    <a16:creationId xmlns="" xmlns:a16="http://schemas.microsoft.com/office/drawing/2014/main" id="{91706D61-C536-4407-A64A-77777F5E72EA}"/>
                   </a:ext>
                 </a:extLst>
               </p:cNvPr>
@@ -15973,7 +15973,7 @@
               <p:cNvPr id="289" name="直線コネクタ 288">
                 <a:extLst>
                   <a:ext uri="{FF2B5EF4-FFF2-40B4-BE49-F238E27FC236}">
-                    <a16:creationId xmlns:a16="http://schemas.microsoft.com/office/drawing/2014/main" xmlns="" id="{91706D61-C536-4407-A64A-77777F5E72EA}"/>
+                    <a16:creationId xmlns="" xmlns:a16="http://schemas.microsoft.com/office/drawing/2014/main" id="{91706D61-C536-4407-A64A-77777F5E72EA}"/>
                   </a:ext>
                 </a:extLst>
               </p:cNvPr>
@@ -16019,7 +16019,7 @@
               <p:cNvPr id="290" name="直線コネクタ 289">
                 <a:extLst>
                   <a:ext uri="{FF2B5EF4-FFF2-40B4-BE49-F238E27FC236}">
-                    <a16:creationId xmlns:a16="http://schemas.microsoft.com/office/drawing/2014/main" xmlns="" id="{91706D61-C536-4407-A64A-77777F5E72EA}"/>
+                    <a16:creationId xmlns="" xmlns:a16="http://schemas.microsoft.com/office/drawing/2014/main" id="{91706D61-C536-4407-A64A-77777F5E72EA}"/>
                   </a:ext>
                 </a:extLst>
               </p:cNvPr>
@@ -16065,7 +16065,7 @@
               <p:cNvPr id="291" name="直線コネクタ 290">
                 <a:extLst>
                   <a:ext uri="{FF2B5EF4-FFF2-40B4-BE49-F238E27FC236}">
-                    <a16:creationId xmlns:a16="http://schemas.microsoft.com/office/drawing/2014/main" xmlns="" id="{91706D61-C536-4407-A64A-77777F5E72EA}"/>
+                    <a16:creationId xmlns="" xmlns:a16="http://schemas.microsoft.com/office/drawing/2014/main" id="{91706D61-C536-4407-A64A-77777F5E72EA}"/>
                   </a:ext>
                 </a:extLst>
               </p:cNvPr>
@@ -16111,7 +16111,7 @@
               <p:cNvPr id="292" name="直線コネクタ 291">
                 <a:extLst>
                   <a:ext uri="{FF2B5EF4-FFF2-40B4-BE49-F238E27FC236}">
-                    <a16:creationId xmlns:a16="http://schemas.microsoft.com/office/drawing/2014/main" xmlns="" id="{91706D61-C536-4407-A64A-77777F5E72EA}"/>
+                    <a16:creationId xmlns="" xmlns:a16="http://schemas.microsoft.com/office/drawing/2014/main" id="{91706D61-C536-4407-A64A-77777F5E72EA}"/>
                   </a:ext>
                 </a:extLst>
               </p:cNvPr>
@@ -16157,7 +16157,7 @@
               <p:cNvPr id="293" name="直線コネクタ 292">
                 <a:extLst>
                   <a:ext uri="{FF2B5EF4-FFF2-40B4-BE49-F238E27FC236}">
-                    <a16:creationId xmlns:a16="http://schemas.microsoft.com/office/drawing/2014/main" xmlns="" id="{91706D61-C536-4407-A64A-77777F5E72EA}"/>
+                    <a16:creationId xmlns="" xmlns:a16="http://schemas.microsoft.com/office/drawing/2014/main" id="{91706D61-C536-4407-A64A-77777F5E72EA}"/>
                   </a:ext>
                 </a:extLst>
               </p:cNvPr>
@@ -16203,7 +16203,7 @@
               <p:cNvPr id="294" name="直線コネクタ 293">
                 <a:extLst>
                   <a:ext uri="{FF2B5EF4-FFF2-40B4-BE49-F238E27FC236}">
-                    <a16:creationId xmlns:a16="http://schemas.microsoft.com/office/drawing/2014/main" xmlns="" id="{91706D61-C536-4407-A64A-77777F5E72EA}"/>
+                    <a16:creationId xmlns="" xmlns:a16="http://schemas.microsoft.com/office/drawing/2014/main" id="{91706D61-C536-4407-A64A-77777F5E72EA}"/>
                   </a:ext>
                 </a:extLst>
               </p:cNvPr>
@@ -16249,7 +16249,7 @@
               <p:cNvPr id="295" name="直線コネクタ 294">
                 <a:extLst>
                   <a:ext uri="{FF2B5EF4-FFF2-40B4-BE49-F238E27FC236}">
-                    <a16:creationId xmlns:a16="http://schemas.microsoft.com/office/drawing/2014/main" xmlns="" id="{91706D61-C536-4407-A64A-77777F5E72EA}"/>
+                    <a16:creationId xmlns="" xmlns:a16="http://schemas.microsoft.com/office/drawing/2014/main" id="{91706D61-C536-4407-A64A-77777F5E72EA}"/>
                   </a:ext>
                 </a:extLst>
               </p:cNvPr>
@@ -16297,7 +16297,7 @@
                   <p:cNvPr id="296" name="テキスト ボックス 295">
                     <a:extLst>
                       <a:ext uri="{FF2B5EF4-FFF2-40B4-BE49-F238E27FC236}">
-                        <a16:creationId xmlns:a16="http://schemas.microsoft.com/office/drawing/2014/main" xmlns="" id="{298A6F79-47C5-44F3-AA0A-54172F8B0BB3}"/>
+                        <a16:creationId xmlns="" xmlns:a16="http://schemas.microsoft.com/office/drawing/2014/main" id="{298A6F79-47C5-44F3-AA0A-54172F8B0BB3}"/>
                       </a:ext>
                     </a:extLst>
                   </p:cNvPr>
@@ -17068,6 +17068,1464 @@
           </a:p>
         </p:txBody>
       </p:sp>
+      <p:sp>
+        <p:nvSpPr>
+          <p:cNvPr id="3" name="正方形/長方形 2"/>
+          <p:cNvSpPr/>
+          <p:nvPr/>
+        </p:nvSpPr>
+        <p:spPr>
+          <a:xfrm>
+            <a:off x="1767858" y="420224"/>
+            <a:ext cx="1851202" cy="1757618"/>
+          </a:xfrm>
+          <a:prstGeom prst="rect">
+            <a:avLst/>
+          </a:prstGeom>
+          <a:noFill/>
+          <a:ln>
+            <a:solidFill>
+              <a:schemeClr val="tx1"/>
+            </a:solidFill>
+          </a:ln>
+        </p:spPr>
+        <p:style>
+          <a:lnRef idx="2">
+            <a:schemeClr val="accent1">
+              <a:shade val="50000"/>
+            </a:schemeClr>
+          </a:lnRef>
+          <a:fillRef idx="1">
+            <a:schemeClr val="accent1"/>
+          </a:fillRef>
+          <a:effectRef idx="0">
+            <a:schemeClr val="accent1"/>
+          </a:effectRef>
+          <a:fontRef idx="minor">
+            <a:schemeClr val="lt1"/>
+          </a:fontRef>
+        </p:style>
+        <p:txBody>
+          <a:bodyPr rtlCol="0" anchor="ctr"/>
+          <a:lstStyle/>
+          <a:p>
+            <a:pPr algn="ctr"/>
+            <a:endParaRPr kumimoji="1" lang="ja-JP" altLang="en-US"/>
+          </a:p>
+        </p:txBody>
+      </p:sp>
+      <mc:AlternateContent xmlns:mc="http://schemas.openxmlformats.org/markup-compatibility/2006">
+        <mc:Choice xmlns:a14="http://schemas.microsoft.com/office/drawing/2010/main" Requires="a14">
+          <p:sp>
+            <p:nvSpPr>
+              <p:cNvPr id="307" name="テキスト ボックス 306"/>
+              <p:cNvSpPr txBox="1"/>
+              <p:nvPr/>
+            </p:nvSpPr>
+            <p:spPr>
+              <a:xfrm>
+                <a:off x="3164741" y="420224"/>
+                <a:ext cx="487185" cy="400110"/>
+              </a:xfrm>
+              <a:prstGeom prst="rect">
+                <a:avLst/>
+              </a:prstGeom>
+              <a:noFill/>
+            </p:spPr>
+            <p:txBody>
+              <a:bodyPr wrap="none" rtlCol="0">
+                <a:spAutoFit/>
+              </a:bodyPr>
+              <a:lstStyle/>
+              <a:p>
+                <a:pPr/>
+                <a14:m>
+                  <m:oMathPara xmlns:m="http://schemas.openxmlformats.org/officeDocument/2006/math">
+                    <m:oMathParaPr>
+                      <m:jc m:val="centerGroup"/>
+                    </m:oMathParaPr>
+                    <m:oMath xmlns:m="http://schemas.openxmlformats.org/officeDocument/2006/math">
+                      <m:sSub>
+                        <m:sSubPr>
+                          <m:ctrlPr>
+                            <a:rPr kumimoji="1" lang="en-US" altLang="ja-JP" sz="2000" b="0" i="1" smtClean="0">
+                              <a:solidFill>
+                                <a:schemeClr val="tx1"/>
+                              </a:solidFill>
+                              <a:latin typeface="Cambria Math" panose="02040503050406030204" pitchFamily="18" charset="0"/>
+                            </a:rPr>
+                          </m:ctrlPr>
+                        </m:sSubPr>
+                        <m:e>
+                          <m:r>
+                            <a:rPr kumimoji="1" lang="en-US" altLang="ja-JP" sz="2000" b="0" i="1" smtClean="0">
+                              <a:solidFill>
+                                <a:schemeClr val="tx1"/>
+                              </a:solidFill>
+                              <a:latin typeface="Cambria Math" panose="02040503050406030204" pitchFamily="18" charset="0"/>
+                            </a:rPr>
+                            <m:t>𝑃</m:t>
+                          </m:r>
+                        </m:e>
+                        <m:sub>
+                          <m:r>
+                            <a:rPr kumimoji="1" lang="en-US" altLang="ja-JP" sz="2000" b="0" i="1" smtClean="0">
+                              <a:solidFill>
+                                <a:schemeClr val="tx1"/>
+                              </a:solidFill>
+                              <a:latin typeface="Cambria Math" panose="02040503050406030204" pitchFamily="18" charset="0"/>
+                            </a:rPr>
+                            <m:t>1</m:t>
+                          </m:r>
+                        </m:sub>
+                      </m:sSub>
+                    </m:oMath>
+                  </m:oMathPara>
+                </a14:m>
+                <a:endParaRPr kumimoji="1" lang="ja-JP" altLang="en-US" dirty="0">
+                  <a:solidFill>
+                    <a:srgbClr val="FF0000"/>
+                  </a:solidFill>
+                </a:endParaRPr>
+              </a:p>
+            </p:txBody>
+          </p:sp>
+        </mc:Choice>
+        <mc:Fallback>
+          <p:sp>
+            <p:nvSpPr>
+              <p:cNvPr id="307" name="テキスト ボックス 306"/>
+              <p:cNvSpPr txBox="1">
+                <a:spLocks noRot="1" noChangeAspect="1" noMove="1" noResize="1" noEditPoints="1" noAdjustHandles="1" noChangeArrowheads="1" noChangeShapeType="1" noTextEdit="1"/>
+              </p:cNvSpPr>
+              <p:nvPr/>
+            </p:nvSpPr>
+            <p:spPr>
+              <a:xfrm>
+                <a:off x="3164741" y="420224"/>
+                <a:ext cx="487185" cy="400110"/>
+              </a:xfrm>
+              <a:prstGeom prst="rect">
+                <a:avLst/>
+              </a:prstGeom>
+              <a:blipFill rotWithShape="0">
+                <a:blip r:embed="rId10"/>
+                <a:stretch>
+                  <a:fillRect/>
+                </a:stretch>
+              </a:blipFill>
+            </p:spPr>
+            <p:txBody>
+              <a:bodyPr/>
+              <a:lstStyle/>
+              <a:p>
+                <a:r>
+                  <a:rPr lang="ja-JP" altLang="en-US">
+                    <a:noFill/>
+                  </a:rPr>
+                  <a:t> </a:t>
+                </a:r>
+              </a:p>
+            </p:txBody>
+          </p:sp>
+        </mc:Fallback>
+      </mc:AlternateContent>
+      <p:sp>
+        <p:nvSpPr>
+          <p:cNvPr id="309" name="正方形/長方形 308"/>
+          <p:cNvSpPr/>
+          <p:nvPr/>
+        </p:nvSpPr>
+        <p:spPr>
+          <a:xfrm>
+            <a:off x="1767858" y="2174022"/>
+            <a:ext cx="1851202" cy="1704280"/>
+          </a:xfrm>
+          <a:prstGeom prst="rect">
+            <a:avLst/>
+          </a:prstGeom>
+          <a:noFill/>
+          <a:ln>
+            <a:solidFill>
+              <a:schemeClr val="tx1"/>
+            </a:solidFill>
+          </a:ln>
+        </p:spPr>
+        <p:style>
+          <a:lnRef idx="2">
+            <a:schemeClr val="accent1">
+              <a:shade val="50000"/>
+            </a:schemeClr>
+          </a:lnRef>
+          <a:fillRef idx="1">
+            <a:schemeClr val="accent1"/>
+          </a:fillRef>
+          <a:effectRef idx="0">
+            <a:schemeClr val="accent1"/>
+          </a:effectRef>
+          <a:fontRef idx="minor">
+            <a:schemeClr val="lt1"/>
+          </a:fontRef>
+        </p:style>
+        <p:txBody>
+          <a:bodyPr rtlCol="0" anchor="ctr"/>
+          <a:lstStyle/>
+          <a:p>
+            <a:pPr algn="ctr"/>
+            <a:endParaRPr kumimoji="1" lang="ja-JP" altLang="en-US"/>
+          </a:p>
+        </p:txBody>
+      </p:sp>
+      <mc:AlternateContent xmlns:mc="http://schemas.openxmlformats.org/markup-compatibility/2006">
+        <mc:Choice xmlns:a14="http://schemas.microsoft.com/office/drawing/2010/main" Requires="a14">
+          <p:sp>
+            <p:nvSpPr>
+              <p:cNvPr id="310" name="テキスト ボックス 309"/>
+              <p:cNvSpPr txBox="1"/>
+              <p:nvPr/>
+            </p:nvSpPr>
+            <p:spPr>
+              <a:xfrm>
+                <a:off x="3164741" y="2103640"/>
+                <a:ext cx="493148" cy="400110"/>
+              </a:xfrm>
+              <a:prstGeom prst="rect">
+                <a:avLst/>
+              </a:prstGeom>
+              <a:noFill/>
+            </p:spPr>
+            <p:txBody>
+              <a:bodyPr wrap="none" rtlCol="0">
+                <a:spAutoFit/>
+              </a:bodyPr>
+              <a:lstStyle/>
+              <a:p>
+                <a:pPr/>
+                <a14:m>
+                  <m:oMathPara xmlns:m="http://schemas.openxmlformats.org/officeDocument/2006/math">
+                    <m:oMathParaPr>
+                      <m:jc m:val="centerGroup"/>
+                    </m:oMathParaPr>
+                    <m:oMath xmlns:m="http://schemas.openxmlformats.org/officeDocument/2006/math">
+                      <m:sSub>
+                        <m:sSubPr>
+                          <m:ctrlPr>
+                            <a:rPr kumimoji="1" lang="en-US" altLang="ja-JP" sz="2000" b="0" i="1" smtClean="0">
+                              <a:solidFill>
+                                <a:schemeClr val="tx1"/>
+                              </a:solidFill>
+                              <a:latin typeface="Cambria Math" panose="02040503050406030204" pitchFamily="18" charset="0"/>
+                            </a:rPr>
+                          </m:ctrlPr>
+                        </m:sSubPr>
+                        <m:e>
+                          <m:r>
+                            <a:rPr kumimoji="1" lang="en-US" altLang="ja-JP" sz="2000" b="0" i="1" smtClean="0">
+                              <a:solidFill>
+                                <a:schemeClr val="tx1"/>
+                              </a:solidFill>
+                              <a:latin typeface="Cambria Math" panose="02040503050406030204" pitchFamily="18" charset="0"/>
+                            </a:rPr>
+                            <m:t>𝑃</m:t>
+                          </m:r>
+                        </m:e>
+                        <m:sub>
+                          <m:r>
+                            <a:rPr kumimoji="1" lang="en-US" altLang="ja-JP" sz="2000" b="0" i="1" smtClean="0">
+                              <a:solidFill>
+                                <a:schemeClr val="tx1"/>
+                              </a:solidFill>
+                              <a:latin typeface="Cambria Math" panose="02040503050406030204" pitchFamily="18" charset="0"/>
+                            </a:rPr>
+                            <m:t>2</m:t>
+                          </m:r>
+                        </m:sub>
+                      </m:sSub>
+                    </m:oMath>
+                  </m:oMathPara>
+                </a14:m>
+                <a:endParaRPr kumimoji="1" lang="ja-JP" altLang="en-US" dirty="0">
+                  <a:solidFill>
+                    <a:srgbClr val="FF0000"/>
+                  </a:solidFill>
+                </a:endParaRPr>
+              </a:p>
+            </p:txBody>
+          </p:sp>
+        </mc:Choice>
+        <mc:Fallback>
+          <p:sp>
+            <p:nvSpPr>
+              <p:cNvPr id="310" name="テキスト ボックス 309"/>
+              <p:cNvSpPr txBox="1">
+                <a:spLocks noRot="1" noChangeAspect="1" noMove="1" noResize="1" noEditPoints="1" noAdjustHandles="1" noChangeArrowheads="1" noChangeShapeType="1" noTextEdit="1"/>
+              </p:cNvSpPr>
+              <p:nvPr/>
+            </p:nvSpPr>
+            <p:spPr>
+              <a:xfrm>
+                <a:off x="3164741" y="2103640"/>
+                <a:ext cx="493148" cy="400110"/>
+              </a:xfrm>
+              <a:prstGeom prst="rect">
+                <a:avLst/>
+              </a:prstGeom>
+              <a:blipFill rotWithShape="0">
+                <a:blip r:embed="rId11"/>
+                <a:stretch>
+                  <a:fillRect/>
+                </a:stretch>
+              </a:blipFill>
+            </p:spPr>
+            <p:txBody>
+              <a:bodyPr/>
+              <a:lstStyle/>
+              <a:p>
+                <a:r>
+                  <a:rPr lang="ja-JP" altLang="en-US">
+                    <a:noFill/>
+                  </a:rPr>
+                  <a:t> </a:t>
+                </a:r>
+              </a:p>
+            </p:txBody>
+          </p:sp>
+        </mc:Fallback>
+      </mc:AlternateContent>
+      <p:sp>
+        <p:nvSpPr>
+          <p:cNvPr id="311" name="正方形/長方形 310"/>
+          <p:cNvSpPr/>
+          <p:nvPr/>
+        </p:nvSpPr>
+        <p:spPr>
+          <a:xfrm>
+            <a:off x="1767858" y="3876346"/>
+            <a:ext cx="1851202" cy="1789298"/>
+          </a:xfrm>
+          <a:prstGeom prst="rect">
+            <a:avLst/>
+          </a:prstGeom>
+          <a:noFill/>
+          <a:ln>
+            <a:solidFill>
+              <a:schemeClr val="tx1"/>
+            </a:solidFill>
+          </a:ln>
+        </p:spPr>
+        <p:style>
+          <a:lnRef idx="2">
+            <a:schemeClr val="accent1">
+              <a:shade val="50000"/>
+            </a:schemeClr>
+          </a:lnRef>
+          <a:fillRef idx="1">
+            <a:schemeClr val="accent1"/>
+          </a:fillRef>
+          <a:effectRef idx="0">
+            <a:schemeClr val="accent1"/>
+          </a:effectRef>
+          <a:fontRef idx="minor">
+            <a:schemeClr val="lt1"/>
+          </a:fontRef>
+        </p:style>
+        <p:txBody>
+          <a:bodyPr rtlCol="0" anchor="ctr"/>
+          <a:lstStyle/>
+          <a:p>
+            <a:pPr algn="ctr"/>
+            <a:endParaRPr kumimoji="1" lang="ja-JP" altLang="en-US"/>
+          </a:p>
+        </p:txBody>
+      </p:sp>
+      <mc:AlternateContent xmlns:mc="http://schemas.openxmlformats.org/markup-compatibility/2006">
+        <mc:Choice xmlns:a14="http://schemas.microsoft.com/office/drawing/2010/main" Requires="a14">
+          <p:sp>
+            <p:nvSpPr>
+              <p:cNvPr id="312" name="テキスト ボックス 311"/>
+              <p:cNvSpPr txBox="1"/>
+              <p:nvPr/>
+            </p:nvSpPr>
+            <p:spPr>
+              <a:xfrm>
+                <a:off x="3164741" y="3805964"/>
+                <a:ext cx="493148" cy="400110"/>
+              </a:xfrm>
+              <a:prstGeom prst="rect">
+                <a:avLst/>
+              </a:prstGeom>
+              <a:noFill/>
+            </p:spPr>
+            <p:txBody>
+              <a:bodyPr wrap="none" rtlCol="0">
+                <a:spAutoFit/>
+              </a:bodyPr>
+              <a:lstStyle/>
+              <a:p>
+                <a:pPr/>
+                <a14:m>
+                  <m:oMathPara xmlns:m="http://schemas.openxmlformats.org/officeDocument/2006/math">
+                    <m:oMathParaPr>
+                      <m:jc m:val="centerGroup"/>
+                    </m:oMathParaPr>
+                    <m:oMath xmlns:m="http://schemas.openxmlformats.org/officeDocument/2006/math">
+                      <m:sSub>
+                        <m:sSubPr>
+                          <m:ctrlPr>
+                            <a:rPr kumimoji="1" lang="en-US" altLang="ja-JP" sz="2000" b="0" i="1" smtClean="0">
+                              <a:solidFill>
+                                <a:schemeClr val="tx1"/>
+                              </a:solidFill>
+                              <a:latin typeface="Cambria Math" panose="02040503050406030204" pitchFamily="18" charset="0"/>
+                            </a:rPr>
+                          </m:ctrlPr>
+                        </m:sSubPr>
+                        <m:e>
+                          <m:r>
+                            <a:rPr kumimoji="1" lang="en-US" altLang="ja-JP" sz="2000" b="0" i="1" smtClean="0">
+                              <a:solidFill>
+                                <a:schemeClr val="tx1"/>
+                              </a:solidFill>
+                              <a:latin typeface="Cambria Math" panose="02040503050406030204" pitchFamily="18" charset="0"/>
+                            </a:rPr>
+                            <m:t>𝑃</m:t>
+                          </m:r>
+                        </m:e>
+                        <m:sub>
+                          <m:r>
+                            <a:rPr kumimoji="1" lang="en-US" altLang="ja-JP" sz="2000" b="0" i="1" smtClean="0">
+                              <a:solidFill>
+                                <a:schemeClr val="tx1"/>
+                              </a:solidFill>
+                              <a:latin typeface="Cambria Math" panose="02040503050406030204" pitchFamily="18" charset="0"/>
+                            </a:rPr>
+                            <m:t>3</m:t>
+                          </m:r>
+                        </m:sub>
+                      </m:sSub>
+                    </m:oMath>
+                  </m:oMathPara>
+                </a14:m>
+                <a:endParaRPr kumimoji="1" lang="ja-JP" altLang="en-US" dirty="0">
+                  <a:solidFill>
+                    <a:srgbClr val="FF0000"/>
+                  </a:solidFill>
+                </a:endParaRPr>
+              </a:p>
+            </p:txBody>
+          </p:sp>
+        </mc:Choice>
+        <mc:Fallback>
+          <p:sp>
+            <p:nvSpPr>
+              <p:cNvPr id="312" name="テキスト ボックス 311"/>
+              <p:cNvSpPr txBox="1">
+                <a:spLocks noRot="1" noChangeAspect="1" noMove="1" noResize="1" noEditPoints="1" noAdjustHandles="1" noChangeArrowheads="1" noChangeShapeType="1" noTextEdit="1"/>
+              </p:cNvSpPr>
+              <p:nvPr/>
+            </p:nvSpPr>
+            <p:spPr>
+              <a:xfrm>
+                <a:off x="3164741" y="3805964"/>
+                <a:ext cx="493148" cy="400110"/>
+              </a:xfrm>
+              <a:prstGeom prst="rect">
+                <a:avLst/>
+              </a:prstGeom>
+              <a:blipFill rotWithShape="0">
+                <a:blip r:embed="rId12"/>
+                <a:stretch>
+                  <a:fillRect/>
+                </a:stretch>
+              </a:blipFill>
+            </p:spPr>
+            <p:txBody>
+              <a:bodyPr/>
+              <a:lstStyle/>
+              <a:p>
+                <a:r>
+                  <a:rPr lang="ja-JP" altLang="en-US">
+                    <a:noFill/>
+                  </a:rPr>
+                  <a:t> </a:t>
+                </a:r>
+              </a:p>
+            </p:txBody>
+          </p:sp>
+        </mc:Fallback>
+      </mc:AlternateContent>
+      <p:sp>
+        <p:nvSpPr>
+          <p:cNvPr id="313" name="正方形/長方形 312"/>
+          <p:cNvSpPr/>
+          <p:nvPr/>
+        </p:nvSpPr>
+        <p:spPr>
+          <a:xfrm>
+            <a:off x="3632416" y="420224"/>
+            <a:ext cx="2633524" cy="1757618"/>
+          </a:xfrm>
+          <a:prstGeom prst="rect">
+            <a:avLst/>
+          </a:prstGeom>
+          <a:noFill/>
+          <a:ln>
+            <a:solidFill>
+              <a:schemeClr val="tx1"/>
+            </a:solidFill>
+          </a:ln>
+        </p:spPr>
+        <p:style>
+          <a:lnRef idx="2">
+            <a:schemeClr val="accent1">
+              <a:shade val="50000"/>
+            </a:schemeClr>
+          </a:lnRef>
+          <a:fillRef idx="1">
+            <a:schemeClr val="accent1"/>
+          </a:fillRef>
+          <a:effectRef idx="0">
+            <a:schemeClr val="accent1"/>
+          </a:effectRef>
+          <a:fontRef idx="minor">
+            <a:schemeClr val="lt1"/>
+          </a:fontRef>
+        </p:style>
+        <p:txBody>
+          <a:bodyPr rtlCol="0" anchor="ctr"/>
+          <a:lstStyle/>
+          <a:p>
+            <a:pPr algn="ctr"/>
+            <a:endParaRPr kumimoji="1" lang="ja-JP" altLang="en-US"/>
+          </a:p>
+        </p:txBody>
+      </p:sp>
+      <p:sp>
+        <p:nvSpPr>
+          <p:cNvPr id="314" name="正方形/長方形 313"/>
+          <p:cNvSpPr/>
+          <p:nvPr/>
+        </p:nvSpPr>
+        <p:spPr>
+          <a:xfrm>
+            <a:off x="3632416" y="2174022"/>
+            <a:ext cx="2633524" cy="1704280"/>
+          </a:xfrm>
+          <a:prstGeom prst="rect">
+            <a:avLst/>
+          </a:prstGeom>
+          <a:noFill/>
+          <a:ln>
+            <a:solidFill>
+              <a:schemeClr val="tx1"/>
+            </a:solidFill>
+          </a:ln>
+        </p:spPr>
+        <p:style>
+          <a:lnRef idx="2">
+            <a:schemeClr val="accent1">
+              <a:shade val="50000"/>
+            </a:schemeClr>
+          </a:lnRef>
+          <a:fillRef idx="1">
+            <a:schemeClr val="accent1"/>
+          </a:fillRef>
+          <a:effectRef idx="0">
+            <a:schemeClr val="accent1"/>
+          </a:effectRef>
+          <a:fontRef idx="minor">
+            <a:schemeClr val="lt1"/>
+          </a:fontRef>
+        </p:style>
+        <p:txBody>
+          <a:bodyPr rtlCol="0" anchor="ctr"/>
+          <a:lstStyle/>
+          <a:p>
+            <a:pPr algn="ctr"/>
+            <a:endParaRPr kumimoji="1" lang="ja-JP" altLang="en-US"/>
+          </a:p>
+        </p:txBody>
+      </p:sp>
+      <p:sp>
+        <p:nvSpPr>
+          <p:cNvPr id="315" name="正方形/長方形 314"/>
+          <p:cNvSpPr/>
+          <p:nvPr/>
+        </p:nvSpPr>
+        <p:spPr>
+          <a:xfrm>
+            <a:off x="3632416" y="3876346"/>
+            <a:ext cx="2633524" cy="1789298"/>
+          </a:xfrm>
+          <a:prstGeom prst="rect">
+            <a:avLst/>
+          </a:prstGeom>
+          <a:noFill/>
+          <a:ln>
+            <a:solidFill>
+              <a:schemeClr val="tx1"/>
+            </a:solidFill>
+          </a:ln>
+        </p:spPr>
+        <p:style>
+          <a:lnRef idx="2">
+            <a:schemeClr val="accent1">
+              <a:shade val="50000"/>
+            </a:schemeClr>
+          </a:lnRef>
+          <a:fillRef idx="1">
+            <a:schemeClr val="accent1"/>
+          </a:fillRef>
+          <a:effectRef idx="0">
+            <a:schemeClr val="accent1"/>
+          </a:effectRef>
+          <a:fontRef idx="minor">
+            <a:schemeClr val="lt1"/>
+          </a:fontRef>
+        </p:style>
+        <p:txBody>
+          <a:bodyPr rtlCol="0" anchor="ctr"/>
+          <a:lstStyle/>
+          <a:p>
+            <a:pPr algn="ctr"/>
+            <a:endParaRPr kumimoji="1" lang="ja-JP" altLang="en-US"/>
+          </a:p>
+        </p:txBody>
+      </p:sp>
+      <mc:AlternateContent xmlns:mc="http://schemas.openxmlformats.org/markup-compatibility/2006">
+        <mc:Choice xmlns:a14="http://schemas.microsoft.com/office/drawing/2010/main" Requires="a14">
+          <p:sp>
+            <p:nvSpPr>
+              <p:cNvPr id="316" name="テキスト ボックス 315"/>
+              <p:cNvSpPr txBox="1"/>
+              <p:nvPr/>
+            </p:nvSpPr>
+            <p:spPr>
+              <a:xfrm>
+                <a:off x="5749774" y="420224"/>
+                <a:ext cx="485133" cy="400110"/>
+              </a:xfrm>
+              <a:prstGeom prst="rect">
+                <a:avLst/>
+              </a:prstGeom>
+              <a:noFill/>
+            </p:spPr>
+            <p:txBody>
+              <a:bodyPr wrap="none" rtlCol="0">
+                <a:spAutoFit/>
+              </a:bodyPr>
+              <a:lstStyle/>
+              <a:p>
+                <a:pPr/>
+                <a14:m>
+                  <m:oMathPara xmlns:m="http://schemas.openxmlformats.org/officeDocument/2006/math">
+                    <m:oMathParaPr>
+                      <m:jc m:val="centerGroup"/>
+                    </m:oMathParaPr>
+                    <m:oMath xmlns:m="http://schemas.openxmlformats.org/officeDocument/2006/math">
+                      <m:sSub>
+                        <m:sSubPr>
+                          <m:ctrlPr>
+                            <a:rPr kumimoji="1" lang="en-US" altLang="ja-JP" sz="2000" b="0" i="1" smtClean="0">
+                              <a:solidFill>
+                                <a:schemeClr val="tx1"/>
+                              </a:solidFill>
+                              <a:latin typeface="Cambria Math" panose="02040503050406030204" pitchFamily="18" charset="0"/>
+                            </a:rPr>
+                          </m:ctrlPr>
+                        </m:sSubPr>
+                        <m:e>
+                          <m:r>
+                            <a:rPr kumimoji="1" lang="en-US" altLang="ja-JP" sz="2000" b="0" i="1" smtClean="0">
+                              <a:solidFill>
+                                <a:schemeClr val="tx1"/>
+                              </a:solidFill>
+                              <a:latin typeface="Cambria Math" panose="02040503050406030204" pitchFamily="18" charset="0"/>
+                            </a:rPr>
+                            <m:t>𝐹</m:t>
+                          </m:r>
+                        </m:e>
+                        <m:sub>
+                          <m:r>
+                            <a:rPr kumimoji="1" lang="en-US" altLang="ja-JP" sz="2000" b="0" i="1" smtClean="0">
+                              <a:solidFill>
+                                <a:schemeClr val="tx1"/>
+                              </a:solidFill>
+                              <a:latin typeface="Cambria Math" panose="02040503050406030204" pitchFamily="18" charset="0"/>
+                            </a:rPr>
+                            <m:t>1</m:t>
+                          </m:r>
+                        </m:sub>
+                      </m:sSub>
+                    </m:oMath>
+                  </m:oMathPara>
+                </a14:m>
+                <a:endParaRPr kumimoji="1" lang="ja-JP" altLang="en-US" dirty="0">
+                  <a:solidFill>
+                    <a:srgbClr val="FF0000"/>
+                  </a:solidFill>
+                </a:endParaRPr>
+              </a:p>
+            </p:txBody>
+          </p:sp>
+        </mc:Choice>
+        <mc:Fallback>
+          <p:sp>
+            <p:nvSpPr>
+              <p:cNvPr id="316" name="テキスト ボックス 315"/>
+              <p:cNvSpPr txBox="1">
+                <a:spLocks noRot="1" noChangeAspect="1" noMove="1" noResize="1" noEditPoints="1" noAdjustHandles="1" noChangeArrowheads="1" noChangeShapeType="1" noTextEdit="1"/>
+              </p:cNvSpPr>
+              <p:nvPr/>
+            </p:nvSpPr>
+            <p:spPr>
+              <a:xfrm>
+                <a:off x="5749774" y="420224"/>
+                <a:ext cx="485133" cy="400110"/>
+              </a:xfrm>
+              <a:prstGeom prst="rect">
+                <a:avLst/>
+              </a:prstGeom>
+              <a:blipFill rotWithShape="0">
+                <a:blip r:embed="rId13"/>
+                <a:stretch>
+                  <a:fillRect/>
+                </a:stretch>
+              </a:blipFill>
+            </p:spPr>
+            <p:txBody>
+              <a:bodyPr/>
+              <a:lstStyle/>
+              <a:p>
+                <a:r>
+                  <a:rPr lang="ja-JP" altLang="en-US">
+                    <a:noFill/>
+                  </a:rPr>
+                  <a:t> </a:t>
+                </a:r>
+              </a:p>
+            </p:txBody>
+          </p:sp>
+        </mc:Fallback>
+      </mc:AlternateContent>
+      <mc:AlternateContent xmlns:mc="http://schemas.openxmlformats.org/markup-compatibility/2006">
+        <mc:Choice xmlns:a14="http://schemas.microsoft.com/office/drawing/2010/main" Requires="a14">
+          <p:sp>
+            <p:nvSpPr>
+              <p:cNvPr id="317" name="テキスト ボックス 316"/>
+              <p:cNvSpPr txBox="1"/>
+              <p:nvPr/>
+            </p:nvSpPr>
+            <p:spPr>
+              <a:xfrm>
+                <a:off x="5749774" y="2103640"/>
+                <a:ext cx="491096" cy="400110"/>
+              </a:xfrm>
+              <a:prstGeom prst="rect">
+                <a:avLst/>
+              </a:prstGeom>
+              <a:noFill/>
+            </p:spPr>
+            <p:txBody>
+              <a:bodyPr wrap="none" rtlCol="0">
+                <a:spAutoFit/>
+              </a:bodyPr>
+              <a:lstStyle/>
+              <a:p>
+                <a:pPr/>
+                <a14:m>
+                  <m:oMathPara xmlns:m="http://schemas.openxmlformats.org/officeDocument/2006/math">
+                    <m:oMathParaPr>
+                      <m:jc m:val="centerGroup"/>
+                    </m:oMathParaPr>
+                    <m:oMath xmlns:m="http://schemas.openxmlformats.org/officeDocument/2006/math">
+                      <m:sSub>
+                        <m:sSubPr>
+                          <m:ctrlPr>
+                            <a:rPr kumimoji="1" lang="en-US" altLang="ja-JP" sz="2000" b="0" i="1" smtClean="0">
+                              <a:solidFill>
+                                <a:schemeClr val="tx1"/>
+                              </a:solidFill>
+                              <a:latin typeface="Cambria Math" panose="02040503050406030204" pitchFamily="18" charset="0"/>
+                            </a:rPr>
+                          </m:ctrlPr>
+                        </m:sSubPr>
+                        <m:e>
+                          <m:r>
+                            <a:rPr kumimoji="1" lang="en-US" altLang="ja-JP" sz="2000" b="0" i="1" smtClean="0">
+                              <a:solidFill>
+                                <a:schemeClr val="tx1"/>
+                              </a:solidFill>
+                              <a:latin typeface="Cambria Math" panose="02040503050406030204" pitchFamily="18" charset="0"/>
+                            </a:rPr>
+                            <m:t>𝐹</m:t>
+                          </m:r>
+                        </m:e>
+                        <m:sub>
+                          <m:r>
+                            <a:rPr kumimoji="1" lang="en-US" altLang="ja-JP" sz="2000" b="0" i="1" smtClean="0">
+                              <a:solidFill>
+                                <a:schemeClr val="tx1"/>
+                              </a:solidFill>
+                              <a:latin typeface="Cambria Math" panose="02040503050406030204" pitchFamily="18" charset="0"/>
+                            </a:rPr>
+                            <m:t>2</m:t>
+                          </m:r>
+                        </m:sub>
+                      </m:sSub>
+                    </m:oMath>
+                  </m:oMathPara>
+                </a14:m>
+                <a:endParaRPr kumimoji="1" lang="ja-JP" altLang="en-US" dirty="0">
+                  <a:solidFill>
+                    <a:srgbClr val="FF0000"/>
+                  </a:solidFill>
+                </a:endParaRPr>
+              </a:p>
+            </p:txBody>
+          </p:sp>
+        </mc:Choice>
+        <mc:Fallback>
+          <p:sp>
+            <p:nvSpPr>
+              <p:cNvPr id="317" name="テキスト ボックス 316"/>
+              <p:cNvSpPr txBox="1">
+                <a:spLocks noRot="1" noChangeAspect="1" noMove="1" noResize="1" noEditPoints="1" noAdjustHandles="1" noChangeArrowheads="1" noChangeShapeType="1" noTextEdit="1"/>
+              </p:cNvSpPr>
+              <p:nvPr/>
+            </p:nvSpPr>
+            <p:spPr>
+              <a:xfrm>
+                <a:off x="5749774" y="2103640"/>
+                <a:ext cx="491096" cy="400110"/>
+              </a:xfrm>
+              <a:prstGeom prst="rect">
+                <a:avLst/>
+              </a:prstGeom>
+              <a:blipFill rotWithShape="0">
+                <a:blip r:embed="rId14"/>
+                <a:stretch>
+                  <a:fillRect/>
+                </a:stretch>
+              </a:blipFill>
+            </p:spPr>
+            <p:txBody>
+              <a:bodyPr/>
+              <a:lstStyle/>
+              <a:p>
+                <a:r>
+                  <a:rPr lang="ja-JP" altLang="en-US">
+                    <a:noFill/>
+                  </a:rPr>
+                  <a:t> </a:t>
+                </a:r>
+              </a:p>
+            </p:txBody>
+          </p:sp>
+        </mc:Fallback>
+      </mc:AlternateContent>
+      <mc:AlternateContent xmlns:mc="http://schemas.openxmlformats.org/markup-compatibility/2006">
+        <mc:Choice xmlns:a14="http://schemas.microsoft.com/office/drawing/2010/main" Requires="a14">
+          <p:sp>
+            <p:nvSpPr>
+              <p:cNvPr id="318" name="テキスト ボックス 317"/>
+              <p:cNvSpPr txBox="1"/>
+              <p:nvPr/>
+            </p:nvSpPr>
+            <p:spPr>
+              <a:xfrm>
+                <a:off x="5749774" y="3805964"/>
+                <a:ext cx="491096" cy="400110"/>
+              </a:xfrm>
+              <a:prstGeom prst="rect">
+                <a:avLst/>
+              </a:prstGeom>
+              <a:noFill/>
+            </p:spPr>
+            <p:txBody>
+              <a:bodyPr wrap="none" rtlCol="0">
+                <a:spAutoFit/>
+              </a:bodyPr>
+              <a:lstStyle/>
+              <a:p>
+                <a:pPr/>
+                <a14:m>
+                  <m:oMathPara xmlns:m="http://schemas.openxmlformats.org/officeDocument/2006/math">
+                    <m:oMathParaPr>
+                      <m:jc m:val="centerGroup"/>
+                    </m:oMathParaPr>
+                    <m:oMath xmlns:m="http://schemas.openxmlformats.org/officeDocument/2006/math">
+                      <m:sSub>
+                        <m:sSubPr>
+                          <m:ctrlPr>
+                            <a:rPr kumimoji="1" lang="en-US" altLang="ja-JP" sz="2000" b="0" i="1" smtClean="0">
+                              <a:solidFill>
+                                <a:schemeClr val="tx1"/>
+                              </a:solidFill>
+                              <a:latin typeface="Cambria Math" panose="02040503050406030204" pitchFamily="18" charset="0"/>
+                            </a:rPr>
+                          </m:ctrlPr>
+                        </m:sSubPr>
+                        <m:e>
+                          <m:r>
+                            <a:rPr kumimoji="1" lang="en-US" altLang="ja-JP" sz="2000" b="0" i="1" smtClean="0">
+                              <a:solidFill>
+                                <a:schemeClr val="tx1"/>
+                              </a:solidFill>
+                              <a:latin typeface="Cambria Math" panose="02040503050406030204" pitchFamily="18" charset="0"/>
+                            </a:rPr>
+                            <m:t>𝐹</m:t>
+                          </m:r>
+                        </m:e>
+                        <m:sub>
+                          <m:r>
+                            <a:rPr kumimoji="1" lang="en-US" altLang="ja-JP" sz="2000" b="0" i="1" smtClean="0">
+                              <a:solidFill>
+                                <a:schemeClr val="tx1"/>
+                              </a:solidFill>
+                              <a:latin typeface="Cambria Math" panose="02040503050406030204" pitchFamily="18" charset="0"/>
+                            </a:rPr>
+                            <m:t>3</m:t>
+                          </m:r>
+                        </m:sub>
+                      </m:sSub>
+                    </m:oMath>
+                  </m:oMathPara>
+                </a14:m>
+                <a:endParaRPr kumimoji="1" lang="ja-JP" altLang="en-US" dirty="0">
+                  <a:solidFill>
+                    <a:srgbClr val="FF0000"/>
+                  </a:solidFill>
+                </a:endParaRPr>
+              </a:p>
+            </p:txBody>
+          </p:sp>
+        </mc:Choice>
+        <mc:Fallback>
+          <p:sp>
+            <p:nvSpPr>
+              <p:cNvPr id="318" name="テキスト ボックス 317"/>
+              <p:cNvSpPr txBox="1">
+                <a:spLocks noRot="1" noChangeAspect="1" noMove="1" noResize="1" noEditPoints="1" noAdjustHandles="1" noChangeArrowheads="1" noChangeShapeType="1" noTextEdit="1"/>
+              </p:cNvSpPr>
+              <p:nvPr/>
+            </p:nvSpPr>
+            <p:spPr>
+              <a:xfrm>
+                <a:off x="5749774" y="3805964"/>
+                <a:ext cx="491096" cy="400110"/>
+              </a:xfrm>
+              <a:prstGeom prst="rect">
+                <a:avLst/>
+              </a:prstGeom>
+              <a:blipFill rotWithShape="0">
+                <a:blip r:embed="rId15"/>
+                <a:stretch>
+                  <a:fillRect/>
+                </a:stretch>
+              </a:blipFill>
+            </p:spPr>
+            <p:txBody>
+              <a:bodyPr/>
+              <a:lstStyle/>
+              <a:p>
+                <a:r>
+                  <a:rPr lang="ja-JP" altLang="en-US">
+                    <a:noFill/>
+                  </a:rPr>
+                  <a:t> </a:t>
+                </a:r>
+              </a:p>
+            </p:txBody>
+          </p:sp>
+        </mc:Fallback>
+      </mc:AlternateContent>
+      <p:sp>
+        <p:nvSpPr>
+          <p:cNvPr id="319" name="正方形/長方形 318"/>
+          <p:cNvSpPr/>
+          <p:nvPr/>
+        </p:nvSpPr>
+        <p:spPr>
+          <a:xfrm>
+            <a:off x="6277819" y="420224"/>
+            <a:ext cx="2548009" cy="1757618"/>
+          </a:xfrm>
+          <a:prstGeom prst="rect">
+            <a:avLst/>
+          </a:prstGeom>
+          <a:noFill/>
+          <a:ln>
+            <a:solidFill>
+              <a:schemeClr val="tx1"/>
+            </a:solidFill>
+          </a:ln>
+        </p:spPr>
+        <p:style>
+          <a:lnRef idx="2">
+            <a:schemeClr val="accent1">
+              <a:shade val="50000"/>
+            </a:schemeClr>
+          </a:lnRef>
+          <a:fillRef idx="1">
+            <a:schemeClr val="accent1"/>
+          </a:fillRef>
+          <a:effectRef idx="0">
+            <a:schemeClr val="accent1"/>
+          </a:effectRef>
+          <a:fontRef idx="minor">
+            <a:schemeClr val="lt1"/>
+          </a:fontRef>
+        </p:style>
+        <p:txBody>
+          <a:bodyPr rtlCol="0" anchor="ctr"/>
+          <a:lstStyle/>
+          <a:p>
+            <a:pPr algn="ctr"/>
+            <a:endParaRPr kumimoji="1" lang="ja-JP" altLang="en-US"/>
+          </a:p>
+        </p:txBody>
+      </p:sp>
+      <p:sp>
+        <p:nvSpPr>
+          <p:cNvPr id="320" name="正方形/長方形 319"/>
+          <p:cNvSpPr/>
+          <p:nvPr/>
+        </p:nvSpPr>
+        <p:spPr>
+          <a:xfrm>
+            <a:off x="6277819" y="2174022"/>
+            <a:ext cx="2548009" cy="1704280"/>
+          </a:xfrm>
+          <a:prstGeom prst="rect">
+            <a:avLst/>
+          </a:prstGeom>
+          <a:noFill/>
+          <a:ln>
+            <a:solidFill>
+              <a:schemeClr val="tx1"/>
+            </a:solidFill>
+          </a:ln>
+        </p:spPr>
+        <p:style>
+          <a:lnRef idx="2">
+            <a:schemeClr val="accent1">
+              <a:shade val="50000"/>
+            </a:schemeClr>
+          </a:lnRef>
+          <a:fillRef idx="1">
+            <a:schemeClr val="accent1"/>
+          </a:fillRef>
+          <a:effectRef idx="0">
+            <a:schemeClr val="accent1"/>
+          </a:effectRef>
+          <a:fontRef idx="minor">
+            <a:schemeClr val="lt1"/>
+          </a:fontRef>
+        </p:style>
+        <p:txBody>
+          <a:bodyPr rtlCol="0" anchor="ctr"/>
+          <a:lstStyle/>
+          <a:p>
+            <a:pPr algn="ctr"/>
+            <a:endParaRPr kumimoji="1" lang="ja-JP" altLang="en-US"/>
+          </a:p>
+        </p:txBody>
+      </p:sp>
+      <p:sp>
+        <p:nvSpPr>
+          <p:cNvPr id="321" name="正方形/長方形 320"/>
+          <p:cNvSpPr/>
+          <p:nvPr/>
+        </p:nvSpPr>
+        <p:spPr>
+          <a:xfrm>
+            <a:off x="6277819" y="3876346"/>
+            <a:ext cx="2548009" cy="1789298"/>
+          </a:xfrm>
+          <a:prstGeom prst="rect">
+            <a:avLst/>
+          </a:prstGeom>
+          <a:noFill/>
+          <a:ln>
+            <a:solidFill>
+              <a:schemeClr val="tx1"/>
+            </a:solidFill>
+          </a:ln>
+        </p:spPr>
+        <p:style>
+          <a:lnRef idx="2">
+            <a:schemeClr val="accent1">
+              <a:shade val="50000"/>
+            </a:schemeClr>
+          </a:lnRef>
+          <a:fillRef idx="1">
+            <a:schemeClr val="accent1"/>
+          </a:fillRef>
+          <a:effectRef idx="0">
+            <a:schemeClr val="accent1"/>
+          </a:effectRef>
+          <a:fontRef idx="minor">
+            <a:schemeClr val="lt1"/>
+          </a:fontRef>
+        </p:style>
+        <p:txBody>
+          <a:bodyPr rtlCol="0" anchor="ctr"/>
+          <a:lstStyle/>
+          <a:p>
+            <a:pPr algn="ctr"/>
+            <a:endParaRPr kumimoji="1" lang="ja-JP" altLang="en-US"/>
+          </a:p>
+        </p:txBody>
+      </p:sp>
+      <mc:AlternateContent xmlns:mc="http://schemas.openxmlformats.org/markup-compatibility/2006">
+        <mc:Choice xmlns:a14="http://schemas.microsoft.com/office/drawing/2010/main" Requires="a14">
+          <p:sp>
+            <p:nvSpPr>
+              <p:cNvPr id="322" name="テキスト ボックス 321"/>
+              <p:cNvSpPr txBox="1"/>
+              <p:nvPr/>
+            </p:nvSpPr>
+            <p:spPr>
+              <a:xfrm>
+                <a:off x="8325416" y="420224"/>
+                <a:ext cx="469380" cy="400110"/>
+              </a:xfrm>
+              <a:prstGeom prst="rect">
+                <a:avLst/>
+              </a:prstGeom>
+              <a:noFill/>
+            </p:spPr>
+            <p:txBody>
+              <a:bodyPr wrap="square" rtlCol="0">
+                <a:spAutoFit/>
+              </a:bodyPr>
+              <a:lstStyle/>
+              <a:p>
+                <a:pPr/>
+                <a14:m>
+                  <m:oMathPara xmlns:m="http://schemas.openxmlformats.org/officeDocument/2006/math">
+                    <m:oMathParaPr>
+                      <m:jc m:val="centerGroup"/>
+                    </m:oMathParaPr>
+                    <m:oMath xmlns:m="http://schemas.openxmlformats.org/officeDocument/2006/math">
+                      <m:sSub>
+                        <m:sSubPr>
+                          <m:ctrlPr>
+                            <a:rPr kumimoji="1" lang="en-US" altLang="ja-JP" sz="2000" b="0" i="1" smtClean="0">
+                              <a:solidFill>
+                                <a:schemeClr val="tx1"/>
+                              </a:solidFill>
+                              <a:latin typeface="Cambria Math" panose="02040503050406030204" pitchFamily="18" charset="0"/>
+                            </a:rPr>
+                          </m:ctrlPr>
+                        </m:sSubPr>
+                        <m:e>
+                          <m:r>
+                            <a:rPr kumimoji="1" lang="en-US" altLang="ja-JP" sz="2000" b="0" i="1" smtClean="0">
+                              <a:solidFill>
+                                <a:schemeClr val="tx1"/>
+                              </a:solidFill>
+                              <a:latin typeface="Cambria Math" panose="02040503050406030204" pitchFamily="18" charset="0"/>
+                            </a:rPr>
+                            <m:t>𝑄</m:t>
+                          </m:r>
+                        </m:e>
+                        <m:sub>
+                          <m:r>
+                            <a:rPr kumimoji="1" lang="en-US" altLang="ja-JP" sz="2000" b="0" i="1" smtClean="0">
+                              <a:solidFill>
+                                <a:schemeClr val="tx1"/>
+                              </a:solidFill>
+                              <a:latin typeface="Cambria Math" panose="02040503050406030204" pitchFamily="18" charset="0"/>
+                            </a:rPr>
+                            <m:t>1</m:t>
+                          </m:r>
+                        </m:sub>
+                      </m:sSub>
+                    </m:oMath>
+                  </m:oMathPara>
+                </a14:m>
+                <a:endParaRPr kumimoji="1" lang="ja-JP" altLang="en-US" dirty="0">
+                  <a:solidFill>
+                    <a:srgbClr val="FF0000"/>
+                  </a:solidFill>
+                </a:endParaRPr>
+              </a:p>
+            </p:txBody>
+          </p:sp>
+        </mc:Choice>
+        <mc:Fallback>
+          <p:sp>
+            <p:nvSpPr>
+              <p:cNvPr id="322" name="テキスト ボックス 321"/>
+              <p:cNvSpPr txBox="1">
+                <a:spLocks noRot="1" noChangeAspect="1" noMove="1" noResize="1" noEditPoints="1" noAdjustHandles="1" noChangeArrowheads="1" noChangeShapeType="1" noTextEdit="1"/>
+              </p:cNvSpPr>
+              <p:nvPr/>
+            </p:nvSpPr>
+            <p:spPr>
+              <a:xfrm>
+                <a:off x="8325416" y="420224"/>
+                <a:ext cx="469380" cy="400110"/>
+              </a:xfrm>
+              <a:prstGeom prst="rect">
+                <a:avLst/>
+              </a:prstGeom>
+              <a:blipFill rotWithShape="0">
+                <a:blip r:embed="rId16"/>
+                <a:stretch>
+                  <a:fillRect l="-2597" b="-7576"/>
+                </a:stretch>
+              </a:blipFill>
+            </p:spPr>
+            <p:txBody>
+              <a:bodyPr/>
+              <a:lstStyle/>
+              <a:p>
+                <a:r>
+                  <a:rPr lang="ja-JP" altLang="en-US">
+                    <a:noFill/>
+                  </a:rPr>
+                  <a:t> </a:t>
+                </a:r>
+              </a:p>
+            </p:txBody>
+          </p:sp>
+        </mc:Fallback>
+      </mc:AlternateContent>
+      <mc:AlternateContent xmlns:mc="http://schemas.openxmlformats.org/markup-compatibility/2006">
+        <mc:Choice xmlns:a14="http://schemas.microsoft.com/office/drawing/2010/main" Requires="a14">
+          <p:sp>
+            <p:nvSpPr>
+              <p:cNvPr id="323" name="テキスト ボックス 322"/>
+              <p:cNvSpPr txBox="1"/>
+              <p:nvPr/>
+            </p:nvSpPr>
+            <p:spPr>
+              <a:xfrm>
+                <a:off x="8325609" y="2103640"/>
+                <a:ext cx="475149" cy="400110"/>
+              </a:xfrm>
+              <a:prstGeom prst="rect">
+                <a:avLst/>
+              </a:prstGeom>
+              <a:noFill/>
+            </p:spPr>
+            <p:txBody>
+              <a:bodyPr wrap="square" rtlCol="0">
+                <a:spAutoFit/>
+              </a:bodyPr>
+              <a:lstStyle/>
+              <a:p>
+                <a:pPr/>
+                <a14:m>
+                  <m:oMathPara xmlns:m="http://schemas.openxmlformats.org/officeDocument/2006/math">
+                    <m:oMathParaPr>
+                      <m:jc m:val="centerGroup"/>
+                    </m:oMathParaPr>
+                    <m:oMath xmlns:m="http://schemas.openxmlformats.org/officeDocument/2006/math">
+                      <m:sSub>
+                        <m:sSubPr>
+                          <m:ctrlPr>
+                            <a:rPr kumimoji="1" lang="en-US" altLang="ja-JP" sz="2000" b="0" i="1" smtClean="0">
+                              <a:solidFill>
+                                <a:schemeClr val="tx1"/>
+                              </a:solidFill>
+                              <a:latin typeface="Cambria Math" panose="02040503050406030204" pitchFamily="18" charset="0"/>
+                            </a:rPr>
+                          </m:ctrlPr>
+                        </m:sSubPr>
+                        <m:e>
+                          <m:r>
+                            <a:rPr kumimoji="1" lang="en-US" altLang="ja-JP" sz="2000" b="0" i="1" smtClean="0">
+                              <a:solidFill>
+                                <a:schemeClr val="tx1"/>
+                              </a:solidFill>
+                              <a:latin typeface="Cambria Math" panose="02040503050406030204" pitchFamily="18" charset="0"/>
+                            </a:rPr>
+                            <m:t>𝑄</m:t>
+                          </m:r>
+                        </m:e>
+                        <m:sub>
+                          <m:r>
+                            <a:rPr kumimoji="1" lang="en-US" altLang="ja-JP" sz="2000" b="0" i="1" smtClean="0">
+                              <a:solidFill>
+                                <a:schemeClr val="tx1"/>
+                              </a:solidFill>
+                              <a:latin typeface="Cambria Math" panose="02040503050406030204" pitchFamily="18" charset="0"/>
+                            </a:rPr>
+                            <m:t>2</m:t>
+                          </m:r>
+                        </m:sub>
+                      </m:sSub>
+                    </m:oMath>
+                  </m:oMathPara>
+                </a14:m>
+                <a:endParaRPr kumimoji="1" lang="ja-JP" altLang="en-US" dirty="0">
+                  <a:solidFill>
+                    <a:srgbClr val="FF0000"/>
+                  </a:solidFill>
+                </a:endParaRPr>
+              </a:p>
+            </p:txBody>
+          </p:sp>
+        </mc:Choice>
+        <mc:Fallback>
+          <p:sp>
+            <p:nvSpPr>
+              <p:cNvPr id="323" name="テキスト ボックス 322"/>
+              <p:cNvSpPr txBox="1">
+                <a:spLocks noRot="1" noChangeAspect="1" noMove="1" noResize="1" noEditPoints="1" noAdjustHandles="1" noChangeArrowheads="1" noChangeShapeType="1" noTextEdit="1"/>
+              </p:cNvSpPr>
+              <p:nvPr/>
+            </p:nvSpPr>
+            <p:spPr>
+              <a:xfrm>
+                <a:off x="8325609" y="2103640"/>
+                <a:ext cx="475149" cy="400110"/>
+              </a:xfrm>
+              <a:prstGeom prst="rect">
+                <a:avLst/>
+              </a:prstGeom>
+              <a:blipFill rotWithShape="0">
+                <a:blip r:embed="rId17"/>
+                <a:stretch>
+                  <a:fillRect l="-2564" b="-9091"/>
+                </a:stretch>
+              </a:blipFill>
+            </p:spPr>
+            <p:txBody>
+              <a:bodyPr/>
+              <a:lstStyle/>
+              <a:p>
+                <a:r>
+                  <a:rPr lang="ja-JP" altLang="en-US">
+                    <a:noFill/>
+                  </a:rPr>
+                  <a:t> </a:t>
+                </a:r>
+              </a:p>
+            </p:txBody>
+          </p:sp>
+        </mc:Fallback>
+      </mc:AlternateContent>
+      <mc:AlternateContent xmlns:mc="http://schemas.openxmlformats.org/markup-compatibility/2006">
+        <mc:Choice xmlns:a14="http://schemas.microsoft.com/office/drawing/2010/main" Requires="a14">
+          <p:sp>
+            <p:nvSpPr>
+              <p:cNvPr id="324" name="テキスト ボックス 323"/>
+              <p:cNvSpPr txBox="1"/>
+              <p:nvPr/>
+            </p:nvSpPr>
+            <p:spPr>
+              <a:xfrm>
+                <a:off x="8325609" y="3805964"/>
+                <a:ext cx="475149" cy="400110"/>
+              </a:xfrm>
+              <a:prstGeom prst="rect">
+                <a:avLst/>
+              </a:prstGeom>
+              <a:noFill/>
+            </p:spPr>
+            <p:txBody>
+              <a:bodyPr wrap="square" rtlCol="0">
+                <a:spAutoFit/>
+              </a:bodyPr>
+              <a:lstStyle/>
+              <a:p>
+                <a:pPr/>
+                <a14:m>
+                  <m:oMathPara xmlns:m="http://schemas.openxmlformats.org/officeDocument/2006/math">
+                    <m:oMathParaPr>
+                      <m:jc m:val="centerGroup"/>
+                    </m:oMathParaPr>
+                    <m:oMath xmlns:m="http://schemas.openxmlformats.org/officeDocument/2006/math">
+                      <m:sSub>
+                        <m:sSubPr>
+                          <m:ctrlPr>
+                            <a:rPr kumimoji="1" lang="en-US" altLang="ja-JP" sz="2000" b="0" i="1" smtClean="0">
+                              <a:solidFill>
+                                <a:schemeClr val="tx1"/>
+                              </a:solidFill>
+                              <a:latin typeface="Cambria Math" panose="02040503050406030204" pitchFamily="18" charset="0"/>
+                            </a:rPr>
+                          </m:ctrlPr>
+                        </m:sSubPr>
+                        <m:e>
+                          <m:r>
+                            <a:rPr kumimoji="1" lang="en-US" altLang="ja-JP" sz="2000" b="0" i="1" smtClean="0">
+                              <a:solidFill>
+                                <a:schemeClr val="tx1"/>
+                              </a:solidFill>
+                              <a:latin typeface="Cambria Math" panose="02040503050406030204" pitchFamily="18" charset="0"/>
+                            </a:rPr>
+                            <m:t>𝑄</m:t>
+                          </m:r>
+                        </m:e>
+                        <m:sub>
+                          <m:r>
+                            <a:rPr kumimoji="1" lang="en-US" altLang="ja-JP" sz="2000" b="0" i="1" smtClean="0">
+                              <a:solidFill>
+                                <a:schemeClr val="tx1"/>
+                              </a:solidFill>
+                              <a:latin typeface="Cambria Math" panose="02040503050406030204" pitchFamily="18" charset="0"/>
+                            </a:rPr>
+                            <m:t>3</m:t>
+                          </m:r>
+                        </m:sub>
+                      </m:sSub>
+                    </m:oMath>
+                  </m:oMathPara>
+                </a14:m>
+                <a:endParaRPr kumimoji="1" lang="ja-JP" altLang="en-US" dirty="0">
+                  <a:solidFill>
+                    <a:srgbClr val="FF0000"/>
+                  </a:solidFill>
+                </a:endParaRPr>
+              </a:p>
+            </p:txBody>
+          </p:sp>
+        </mc:Choice>
+        <mc:Fallback>
+          <p:sp>
+            <p:nvSpPr>
+              <p:cNvPr id="324" name="テキスト ボックス 323"/>
+              <p:cNvSpPr txBox="1">
+                <a:spLocks noRot="1" noChangeAspect="1" noMove="1" noResize="1" noEditPoints="1" noAdjustHandles="1" noChangeArrowheads="1" noChangeShapeType="1" noTextEdit="1"/>
+              </p:cNvSpPr>
+              <p:nvPr/>
+            </p:nvSpPr>
+            <p:spPr>
+              <a:xfrm>
+                <a:off x="8325609" y="3805964"/>
+                <a:ext cx="475149" cy="400110"/>
+              </a:xfrm>
+              <a:prstGeom prst="rect">
+                <a:avLst/>
+              </a:prstGeom>
+              <a:blipFill rotWithShape="0">
+                <a:blip r:embed="rId18"/>
+                <a:stretch>
+                  <a:fillRect l="-2564" b="-9091"/>
+                </a:stretch>
+              </a:blipFill>
+            </p:spPr>
+            <p:txBody>
+              <a:bodyPr/>
+              <a:lstStyle/>
+              <a:p>
+                <a:r>
+                  <a:rPr lang="ja-JP" altLang="en-US">
+                    <a:noFill/>
+                  </a:rPr>
+                  <a:t> </a:t>
+                </a:r>
+              </a:p>
+            </p:txBody>
+          </p:sp>
+        </mc:Fallback>
+      </mc:AlternateContent>
     </p:spTree>
     <p:extLst>
       <p:ext uri="{BB962C8B-B14F-4D97-AF65-F5344CB8AC3E}">
